--- a/doc/presentations/presentation_2.pptx
+++ b/doc/presentations/presentation_2.pptx
@@ -14,8 +14,9 @@
     <p:sldId id="260" r:id="rId8"/>
     <p:sldId id="269" r:id="rId9"/>
     <p:sldId id="262" r:id="rId10"/>
-    <p:sldId id="263" r:id="rId11"/>
-    <p:sldId id="264" r:id="rId12"/>
+    <p:sldId id="271" r:id="rId11"/>
+    <p:sldId id="263" r:id="rId12"/>
+    <p:sldId id="264" r:id="rId13"/>
   </p:sldIdLst>
   <p:sldSz cx="12192000" cy="6858000"/>
   <p:notesSz cx="6858000" cy="9144000"/>
@@ -122,20 +123,1049 @@
 </p:presentation>
 </file>
 
-<file path=ppt/revisionInfo.xml><?xml version="1.0" encoding="utf-8"?>
-<p1510:revInfo xmlns:a="http://schemas.openxmlformats.org/drawingml/2006/main" xmlns:r="http://schemas.openxmlformats.org/officeDocument/2006/relationships" xmlns:p1510="http://schemas.microsoft.com/office/powerpoint/2015/10/main">
-  <p1510:revLst>
-    <p1510:client id="{021E4F76-5779-F97B-F7CF-A37D45461E26}" v="1051" dt="2022-10-05T13:31:54.750"/>
-    <p1510:client id="{7F4C9F79-4AB8-D453-8B7D-185DBD80B1D8}" v="984" dt="2022-10-05T17:11:23.411"/>
-    <p1510:client id="{80620B59-0F94-77BF-73A6-0AD08476CF5F}" v="876" dt="2022-10-05T13:12:52.705"/>
-    <p1510:client id="{98BC222F-E99E-C388-0FDD-9A852B3A829C}" v="7" dt="2022-10-05T11:27:24.982"/>
-    <p1510:client id="{F9995DAB-3E8C-6989-8C35-18158D73FD52}" v="402" dt="2022-10-05T13:31:50.569"/>
-  </p1510:revLst>
-</p1510:revInfo>
-</file>
-
 <file path=ppt/changesInfos/changesInfo1.xml><?xml version="1.0" encoding="utf-8"?>
 <pc:chgInfo xmlns:a="http://schemas.openxmlformats.org/drawingml/2006/main" xmlns:r="http://schemas.openxmlformats.org/officeDocument/2006/relationships" xmlns:ac="http://schemas.microsoft.com/office/drawing/2013/main/command" xmlns:pc="http://schemas.microsoft.com/office/powerpoint/2013/main/command">
+  <pc:docChgLst>
+    <pc:chgData name="Gabrielius Drungilas" userId="S::gabrielius.drungilas@mif.stud.vu.lt::29e9e178-2dcd-4f02-aa0a-82e76bad37e0" providerId="AD" clId="Web-{7F4C9F79-4AB8-D453-8B7D-185DBD80B1D8}"/>
+    <pc:docChg chg="addSld delSld modSld sldOrd">
+      <pc:chgData name="Gabrielius Drungilas" userId="S::gabrielius.drungilas@mif.stud.vu.lt::29e9e178-2dcd-4f02-aa0a-82e76bad37e0" providerId="AD" clId="Web-{7F4C9F79-4AB8-D453-8B7D-185DBD80B1D8}" dt="2022-10-05T17:11:23.411" v="698" actId="14100"/>
+      <pc:docMkLst>
+        <pc:docMk/>
+      </pc:docMkLst>
+      <pc:sldChg chg="addSp modSp">
+        <pc:chgData name="Gabrielius Drungilas" userId="S::gabrielius.drungilas@mif.stud.vu.lt::29e9e178-2dcd-4f02-aa0a-82e76bad37e0" providerId="AD" clId="Web-{7F4C9F79-4AB8-D453-8B7D-185DBD80B1D8}" dt="2022-10-05T16:20:47.558" v="579" actId="1076"/>
+        <pc:sldMkLst>
+          <pc:docMk/>
+          <pc:sldMk cId="424736396" sldId="256"/>
+        </pc:sldMkLst>
+        <pc:spChg chg="mod">
+          <ac:chgData name="Gabrielius Drungilas" userId="S::gabrielius.drungilas@mif.stud.vu.lt::29e9e178-2dcd-4f02-aa0a-82e76bad37e0" providerId="AD" clId="Web-{7F4C9F79-4AB8-D453-8B7D-185DBD80B1D8}" dt="2022-10-05T16:20:47.558" v="579" actId="1076"/>
+          <ac:spMkLst>
+            <pc:docMk/>
+            <pc:sldMk cId="424736396" sldId="256"/>
+            <ac:spMk id="2" creationId="{00000000-0000-0000-0000-000000000000}"/>
+          </ac:spMkLst>
+        </pc:spChg>
+        <pc:spChg chg="mod">
+          <ac:chgData name="Gabrielius Drungilas" userId="S::gabrielius.drungilas@mif.stud.vu.lt::29e9e178-2dcd-4f02-aa0a-82e76bad37e0" providerId="AD" clId="Web-{7F4C9F79-4AB8-D453-8B7D-185DBD80B1D8}" dt="2022-10-05T11:35:10.505" v="49" actId="1076"/>
+          <ac:spMkLst>
+            <pc:docMk/>
+            <pc:sldMk cId="424736396" sldId="256"/>
+            <ac:spMk id="3" creationId="{00000000-0000-0000-0000-000000000000}"/>
+          </ac:spMkLst>
+        </pc:spChg>
+        <pc:spChg chg="add mod">
+          <ac:chgData name="Gabrielius Drungilas" userId="S::gabrielius.drungilas@mif.stud.vu.lt::29e9e178-2dcd-4f02-aa0a-82e76bad37e0" providerId="AD" clId="Web-{7F4C9F79-4AB8-D453-8B7D-185DBD80B1D8}" dt="2022-10-05T11:36:21.101" v="81" actId="1076"/>
+          <ac:spMkLst>
+            <pc:docMk/>
+            <pc:sldMk cId="424736396" sldId="256"/>
+            <ac:spMk id="4" creationId="{09BC6DCB-E926-8CD9-79D7-5F5922BDDF8B}"/>
+          </ac:spMkLst>
+        </pc:spChg>
+        <pc:spChg chg="add mod">
+          <ac:chgData name="Gabrielius Drungilas" userId="S::gabrielius.drungilas@mif.stud.vu.lt::29e9e178-2dcd-4f02-aa0a-82e76bad37e0" providerId="AD" clId="Web-{7F4C9F79-4AB8-D453-8B7D-185DBD80B1D8}" dt="2022-10-05T11:39:24.982" v="165" actId="20577"/>
+          <ac:spMkLst>
+            <pc:docMk/>
+            <pc:sldMk cId="424736396" sldId="256"/>
+            <ac:spMk id="5" creationId="{2C768B79-FE22-B011-C5E6-3D5C706ADD7A}"/>
+          </ac:spMkLst>
+        </pc:spChg>
+      </pc:sldChg>
+      <pc:sldChg chg="addSp delSp modSp del mod setBg">
+        <pc:chgData name="Gabrielius Drungilas" userId="S::gabrielius.drungilas@mif.stud.vu.lt::29e9e178-2dcd-4f02-aa0a-82e76bad37e0" providerId="AD" clId="Web-{7F4C9F79-4AB8-D453-8B7D-185DBD80B1D8}" dt="2022-10-05T16:18:38.726" v="566"/>
+        <pc:sldMkLst>
+          <pc:docMk/>
+          <pc:sldMk cId="2715356841" sldId="257"/>
+        </pc:sldMkLst>
+        <pc:spChg chg="del mod">
+          <ac:chgData name="Gabrielius Drungilas" userId="S::gabrielius.drungilas@mif.stud.vu.lt::29e9e178-2dcd-4f02-aa0a-82e76bad37e0" providerId="AD" clId="Web-{7F4C9F79-4AB8-D453-8B7D-185DBD80B1D8}" dt="2022-10-05T16:17:35.896" v="551"/>
+          <ac:spMkLst>
+            <pc:docMk/>
+            <pc:sldMk cId="2715356841" sldId="257"/>
+            <ac:spMk id="2" creationId="{9CB67E3E-6397-0720-116E-16EA7E4968A3}"/>
+          </ac:spMkLst>
+        </pc:spChg>
+        <pc:spChg chg="mod">
+          <ac:chgData name="Gabrielius Drungilas" userId="S::gabrielius.drungilas@mif.stud.vu.lt::29e9e178-2dcd-4f02-aa0a-82e76bad37e0" providerId="AD" clId="Web-{7F4C9F79-4AB8-D453-8B7D-185DBD80B1D8}" dt="2022-10-05T12:08:56.961" v="256" actId="20577"/>
+          <ac:spMkLst>
+            <pc:docMk/>
+            <pc:sldMk cId="2715356841" sldId="257"/>
+            <ac:spMk id="3" creationId="{D82A1AE9-F44A-A02F-EE44-C428586093D8}"/>
+          </ac:spMkLst>
+        </pc:spChg>
+        <pc:spChg chg="mod ord">
+          <ac:chgData name="Gabrielius Drungilas" userId="S::gabrielius.drungilas@mif.stud.vu.lt::29e9e178-2dcd-4f02-aa0a-82e76bad37e0" providerId="AD" clId="Web-{7F4C9F79-4AB8-D453-8B7D-185DBD80B1D8}" dt="2022-10-05T12:04:56.594" v="235"/>
+          <ac:spMkLst>
+            <pc:docMk/>
+            <pc:sldMk cId="2715356841" sldId="257"/>
+            <ac:spMk id="4" creationId="{2E85A100-AB3C-7A06-0C51-811C8769225F}"/>
+          </ac:spMkLst>
+        </pc:spChg>
+        <pc:spChg chg="mod ord">
+          <ac:chgData name="Gabrielius Drungilas" userId="S::gabrielius.drungilas@mif.stud.vu.lt::29e9e178-2dcd-4f02-aa0a-82e76bad37e0" providerId="AD" clId="Web-{7F4C9F79-4AB8-D453-8B7D-185DBD80B1D8}" dt="2022-10-05T12:04:56.594" v="235"/>
+          <ac:spMkLst>
+            <pc:docMk/>
+            <pc:sldMk cId="2715356841" sldId="257"/>
+            <ac:spMk id="5" creationId="{8452DEC5-DBB2-FF54-AEF5-93B001DFAA7B}"/>
+          </ac:spMkLst>
+        </pc:spChg>
+        <pc:spChg chg="add mod">
+          <ac:chgData name="Gabrielius Drungilas" userId="S::gabrielius.drungilas@mif.stud.vu.lt::29e9e178-2dcd-4f02-aa0a-82e76bad37e0" providerId="AD" clId="Web-{7F4C9F79-4AB8-D453-8B7D-185DBD80B1D8}" dt="2022-10-05T15:01:39.861" v="546" actId="20577"/>
+          <ac:spMkLst>
+            <pc:docMk/>
+            <pc:sldMk cId="2715356841" sldId="257"/>
+            <ac:spMk id="7" creationId="{A369199B-3BC0-76B1-D0A5-099436D75F38}"/>
+          </ac:spMkLst>
+        </pc:spChg>
+        <pc:spChg chg="add mod">
+          <ac:chgData name="Gabrielius Drungilas" userId="S::gabrielius.drungilas@mif.stud.vu.lt::29e9e178-2dcd-4f02-aa0a-82e76bad37e0" providerId="AD" clId="Web-{7F4C9F79-4AB8-D453-8B7D-185DBD80B1D8}" dt="2022-10-05T15:01:46.987" v="549" actId="20577"/>
+          <ac:spMkLst>
+            <pc:docMk/>
+            <pc:sldMk cId="2715356841" sldId="257"/>
+            <ac:spMk id="8" creationId="{8CB1AAD4-7F68-52CD-6D3C-BF78BD8AFDAB}"/>
+          </ac:spMkLst>
+        </pc:spChg>
+        <pc:spChg chg="add mod">
+          <ac:chgData name="Gabrielius Drungilas" userId="S::gabrielius.drungilas@mif.stud.vu.lt::29e9e178-2dcd-4f02-aa0a-82e76bad37e0" providerId="AD" clId="Web-{7F4C9F79-4AB8-D453-8B7D-185DBD80B1D8}" dt="2022-10-05T16:18:05.006" v="558" actId="20577"/>
+          <ac:spMkLst>
+            <pc:docMk/>
+            <pc:sldMk cId="2715356841" sldId="257"/>
+            <ac:spMk id="9" creationId="{F8782541-4F0E-A425-E645-D387118AE108}"/>
+          </ac:spMkLst>
+        </pc:spChg>
+        <pc:spChg chg="add">
+          <ac:chgData name="Gabrielius Drungilas" userId="S::gabrielius.drungilas@mif.stud.vu.lt::29e9e178-2dcd-4f02-aa0a-82e76bad37e0" providerId="AD" clId="Web-{7F4C9F79-4AB8-D453-8B7D-185DBD80B1D8}" dt="2022-10-05T12:04:56.594" v="235"/>
+          <ac:spMkLst>
+            <pc:docMk/>
+            <pc:sldMk cId="2715356841" sldId="257"/>
+            <ac:spMk id="11" creationId="{45D37F4E-DDB4-456B-97E0-9937730A039F}"/>
+          </ac:spMkLst>
+        </pc:spChg>
+        <pc:spChg chg="add del mod">
+          <ac:chgData name="Gabrielius Drungilas" userId="S::gabrielius.drungilas@mif.stud.vu.lt::29e9e178-2dcd-4f02-aa0a-82e76bad37e0" providerId="AD" clId="Web-{7F4C9F79-4AB8-D453-8B7D-185DBD80B1D8}" dt="2022-10-05T16:18:06.772" v="559"/>
+          <ac:spMkLst>
+            <pc:docMk/>
+            <pc:sldMk cId="2715356841" sldId="257"/>
+            <ac:spMk id="12" creationId="{EE13B7E0-D524-3137-6C11-32F7B9D0C2B2}"/>
+          </ac:spMkLst>
+        </pc:spChg>
+        <pc:spChg chg="add">
+          <ac:chgData name="Gabrielius Drungilas" userId="S::gabrielius.drungilas@mif.stud.vu.lt::29e9e178-2dcd-4f02-aa0a-82e76bad37e0" providerId="AD" clId="Web-{7F4C9F79-4AB8-D453-8B7D-185DBD80B1D8}" dt="2022-10-05T12:04:56.594" v="235"/>
+          <ac:spMkLst>
+            <pc:docMk/>
+            <pc:sldMk cId="2715356841" sldId="257"/>
+            <ac:spMk id="13" creationId="{B2DD41CD-8F47-4F56-AD12-4E2FF7696987}"/>
+          </ac:spMkLst>
+        </pc:spChg>
+        <pc:spChg chg="add mod">
+          <ac:chgData name="Gabrielius Drungilas" userId="S::gabrielius.drungilas@mif.stud.vu.lt::29e9e178-2dcd-4f02-aa0a-82e76bad37e0" providerId="AD" clId="Web-{7F4C9F79-4AB8-D453-8B7D-185DBD80B1D8}" dt="2022-10-05T16:18:06.772" v="559"/>
+          <ac:spMkLst>
+            <pc:docMk/>
+            <pc:sldMk cId="2715356841" sldId="257"/>
+            <ac:spMk id="15" creationId="{6CD92DBF-EE3C-E74C-22AF-40364CF9D68F}"/>
+          </ac:spMkLst>
+        </pc:spChg>
+        <pc:picChg chg="add del mod">
+          <ac:chgData name="Gabrielius Drungilas" userId="S::gabrielius.drungilas@mif.stud.vu.lt::29e9e178-2dcd-4f02-aa0a-82e76bad37e0" providerId="AD" clId="Web-{7F4C9F79-4AB8-D453-8B7D-185DBD80B1D8}" dt="2022-10-05T12:25:18.633" v="477"/>
+          <ac:picMkLst>
+            <pc:docMk/>
+            <pc:sldMk cId="2715356841" sldId="257"/>
+            <ac:picMk id="6" creationId="{60F448AF-DB7D-8029-912B-20FF92D11EAE}"/>
+          </ac:picMkLst>
+        </pc:picChg>
+        <pc:picChg chg="add del mod">
+          <ac:chgData name="Gabrielius Drungilas" userId="S::gabrielius.drungilas@mif.stud.vu.lt::29e9e178-2dcd-4f02-aa0a-82e76bad37e0" providerId="AD" clId="Web-{7F4C9F79-4AB8-D453-8B7D-185DBD80B1D8}" dt="2022-10-05T12:38:11.237" v="544"/>
+          <ac:picMkLst>
+            <pc:docMk/>
+            <pc:sldMk cId="2715356841" sldId="257"/>
+            <ac:picMk id="9" creationId="{9E519F03-2466-D350-45FA-F9E16172075E}"/>
+          </ac:picMkLst>
+        </pc:picChg>
+      </pc:sldChg>
+      <pc:sldChg chg="modSp">
+        <pc:chgData name="Gabrielius Drungilas" userId="S::gabrielius.drungilas@mif.stud.vu.lt::29e9e178-2dcd-4f02-aa0a-82e76bad37e0" providerId="AD" clId="Web-{7F4C9F79-4AB8-D453-8B7D-185DBD80B1D8}" dt="2022-10-05T17:11:23.411" v="698" actId="14100"/>
+        <pc:sldMkLst>
+          <pc:docMk/>
+          <pc:sldMk cId="1436947609" sldId="260"/>
+        </pc:sldMkLst>
+        <pc:spChg chg="mod">
+          <ac:chgData name="Gabrielius Drungilas" userId="S::gabrielius.drungilas@mif.stud.vu.lt::29e9e178-2dcd-4f02-aa0a-82e76bad37e0" providerId="AD" clId="Web-{7F4C9F79-4AB8-D453-8B7D-185DBD80B1D8}" dt="2022-10-05T17:11:23.411" v="698" actId="14100"/>
+          <ac:spMkLst>
+            <pc:docMk/>
+            <pc:sldMk cId="1436947609" sldId="260"/>
+            <ac:spMk id="2" creationId="{CE3C95E2-4278-C2B1-692A-3019A6B010AF}"/>
+          </ac:spMkLst>
+        </pc:spChg>
+      </pc:sldChg>
+      <pc:sldChg chg="modSp">
+        <pc:chgData name="Gabrielius Drungilas" userId="S::gabrielius.drungilas@mif.stud.vu.lt::29e9e178-2dcd-4f02-aa0a-82e76bad37e0" providerId="AD" clId="Web-{7F4C9F79-4AB8-D453-8B7D-185DBD80B1D8}" dt="2022-10-05T12:30:04.924" v="541" actId="20577"/>
+        <pc:sldMkLst>
+          <pc:docMk/>
+          <pc:sldMk cId="1703583134" sldId="261"/>
+        </pc:sldMkLst>
+        <pc:spChg chg="mod">
+          <ac:chgData name="Gabrielius Drungilas" userId="S::gabrielius.drungilas@mif.stud.vu.lt::29e9e178-2dcd-4f02-aa0a-82e76bad37e0" providerId="AD" clId="Web-{7F4C9F79-4AB8-D453-8B7D-185DBD80B1D8}" dt="2022-10-05T12:30:04.924" v="541" actId="20577"/>
+          <ac:spMkLst>
+            <pc:docMk/>
+            <pc:sldMk cId="1703583134" sldId="261"/>
+            <ac:spMk id="3" creationId="{781B2D45-2C7F-B7FE-3E09-06D276C2CCB5}"/>
+          </ac:spMkLst>
+        </pc:spChg>
+      </pc:sldChg>
+      <pc:sldChg chg="ord">
+        <pc:chgData name="Gabrielius Drungilas" userId="S::gabrielius.drungilas@mif.stud.vu.lt::29e9e178-2dcd-4f02-aa0a-82e76bad37e0" providerId="AD" clId="Web-{7F4C9F79-4AB8-D453-8B7D-185DBD80B1D8}" dt="2022-10-05T11:46:06.229" v="167"/>
+        <pc:sldMkLst>
+          <pc:docMk/>
+          <pc:sldMk cId="1497166392" sldId="264"/>
+        </pc:sldMkLst>
+      </pc:sldChg>
+      <pc:sldChg chg="modSp">
+        <pc:chgData name="Gabrielius Drungilas" userId="S::gabrielius.drungilas@mif.stud.vu.lt::29e9e178-2dcd-4f02-aa0a-82e76bad37e0" providerId="AD" clId="Web-{7F4C9F79-4AB8-D453-8B7D-185DBD80B1D8}" dt="2022-10-05T16:27:34.366" v="591" actId="20577"/>
+        <pc:sldMkLst>
+          <pc:docMk/>
+          <pc:sldMk cId="4135263232" sldId="265"/>
+        </pc:sldMkLst>
+        <pc:spChg chg="mod">
+          <ac:chgData name="Gabrielius Drungilas" userId="S::gabrielius.drungilas@mif.stud.vu.lt::29e9e178-2dcd-4f02-aa0a-82e76bad37e0" providerId="AD" clId="Web-{7F4C9F79-4AB8-D453-8B7D-185DBD80B1D8}" dt="2022-10-05T16:27:34.366" v="591" actId="20577"/>
+          <ac:spMkLst>
+            <pc:docMk/>
+            <pc:sldMk cId="4135263232" sldId="265"/>
+            <ac:spMk id="3" creationId="{997BCA44-6CDE-25F0-FEEF-547A2E9411BC}"/>
+          </ac:spMkLst>
+        </pc:spChg>
+      </pc:sldChg>
+      <pc:sldChg chg="modSp new del">
+        <pc:chgData name="Gabrielius Drungilas" userId="S::gabrielius.drungilas@mif.stud.vu.lt::29e9e178-2dcd-4f02-aa0a-82e76bad37e0" providerId="AD" clId="Web-{7F4C9F79-4AB8-D453-8B7D-185DBD80B1D8}" dt="2022-10-05T12:10:04.416" v="284"/>
+        <pc:sldMkLst>
+          <pc:docMk/>
+          <pc:sldMk cId="2792844820" sldId="266"/>
+        </pc:sldMkLst>
+        <pc:spChg chg="mod">
+          <ac:chgData name="Gabrielius Drungilas" userId="S::gabrielius.drungilas@mif.stud.vu.lt::29e9e178-2dcd-4f02-aa0a-82e76bad37e0" providerId="AD" clId="Web-{7F4C9F79-4AB8-D453-8B7D-185DBD80B1D8}" dt="2022-10-05T12:00:11.022" v="202" actId="20577"/>
+          <ac:spMkLst>
+            <pc:docMk/>
+            <pc:sldMk cId="2792844820" sldId="266"/>
+            <ac:spMk id="2" creationId="{B447B8AB-610C-A379-F20B-E95CE9082212}"/>
+          </ac:spMkLst>
+        </pc:spChg>
+      </pc:sldChg>
+      <pc:sldChg chg="modSp new ord">
+        <pc:chgData name="Gabrielius Drungilas" userId="S::gabrielius.drungilas@mif.stud.vu.lt::29e9e178-2dcd-4f02-aa0a-82e76bad37e0" providerId="AD" clId="Web-{7F4C9F79-4AB8-D453-8B7D-185DBD80B1D8}" dt="2022-10-05T17:09:44.889" v="694" actId="20577"/>
+        <pc:sldMkLst>
+          <pc:docMk/>
+          <pc:sldMk cId="1307884699" sldId="270"/>
+        </pc:sldMkLst>
+        <pc:spChg chg="mod">
+          <ac:chgData name="Gabrielius Drungilas" userId="S::gabrielius.drungilas@mif.stud.vu.lt::29e9e178-2dcd-4f02-aa0a-82e76bad37e0" providerId="AD" clId="Web-{7F4C9F79-4AB8-D453-8B7D-185DBD80B1D8}" dt="2022-10-05T16:18:25.038" v="563" actId="20577"/>
+          <ac:spMkLst>
+            <pc:docMk/>
+            <pc:sldMk cId="1307884699" sldId="270"/>
+            <ac:spMk id="2" creationId="{3D5D8E68-BF8E-D4F5-04DB-F60E8839D02D}"/>
+          </ac:spMkLst>
+        </pc:spChg>
+        <pc:spChg chg="mod">
+          <ac:chgData name="Gabrielius Drungilas" userId="S::gabrielius.drungilas@mif.stud.vu.lt::29e9e178-2dcd-4f02-aa0a-82e76bad37e0" providerId="AD" clId="Web-{7F4C9F79-4AB8-D453-8B7D-185DBD80B1D8}" dt="2022-10-05T17:09:44.889" v="694" actId="20577"/>
+          <ac:spMkLst>
+            <pc:docMk/>
+            <pc:sldMk cId="1307884699" sldId="270"/>
+            <ac:spMk id="3" creationId="{67D45070-5C77-E0BA-A375-D97F44D13A49}"/>
+          </ac:spMkLst>
+        </pc:spChg>
+      </pc:sldChg>
+    </pc:docChg>
+  </pc:docChgLst>
+  <pc:docChgLst>
+    <pc:chgData name="Aistė Grigaliūnaitė" userId="f1d0426f-91da-4a00-a9ec-23fb000caa66" providerId="ADAL" clId="{8E32784C-06D1-465E-BD51-12A99BB475B6}"/>
+    <pc:docChg chg="modSld">
+      <pc:chgData name="Aistė Grigaliūnaitė" userId="f1d0426f-91da-4a00-a9ec-23fb000caa66" providerId="ADAL" clId="{8E32784C-06D1-465E-BD51-12A99BB475B6}" dt="2022-10-19T14:59:11.170" v="4" actId="20577"/>
+      <pc:docMkLst>
+        <pc:docMk/>
+      </pc:docMkLst>
+      <pc:sldChg chg="modSp mod">
+        <pc:chgData name="Aistė Grigaliūnaitė" userId="f1d0426f-91da-4a00-a9ec-23fb000caa66" providerId="ADAL" clId="{8E32784C-06D1-465E-BD51-12A99BB475B6}" dt="2022-10-19T14:59:11.170" v="4" actId="20577"/>
+        <pc:sldMkLst>
+          <pc:docMk/>
+          <pc:sldMk cId="424736396" sldId="256"/>
+        </pc:sldMkLst>
+        <pc:spChg chg="mod">
+          <ac:chgData name="Aistė Grigaliūnaitė" userId="f1d0426f-91da-4a00-a9ec-23fb000caa66" providerId="ADAL" clId="{8E32784C-06D1-465E-BD51-12A99BB475B6}" dt="2022-10-19T14:59:11.170" v="4" actId="20577"/>
+          <ac:spMkLst>
+            <pc:docMk/>
+            <pc:sldMk cId="424736396" sldId="256"/>
+            <ac:spMk id="3" creationId="{00000000-0000-0000-0000-000000000000}"/>
+          </ac:spMkLst>
+        </pc:spChg>
+      </pc:sldChg>
+      <pc:sldChg chg="modSp mod">
+        <pc:chgData name="Aistė Grigaliūnaitė" userId="f1d0426f-91da-4a00-a9ec-23fb000caa66" providerId="ADAL" clId="{8E32784C-06D1-465E-BD51-12A99BB475B6}" dt="2022-10-19T14:57:15.250" v="0" actId="20577"/>
+        <pc:sldMkLst>
+          <pc:docMk/>
+          <pc:sldMk cId="3689003944" sldId="262"/>
+        </pc:sldMkLst>
+        <pc:spChg chg="mod">
+          <ac:chgData name="Aistė Grigaliūnaitė" userId="f1d0426f-91da-4a00-a9ec-23fb000caa66" providerId="ADAL" clId="{8E32784C-06D1-465E-BD51-12A99BB475B6}" dt="2022-10-19T14:57:15.250" v="0" actId="20577"/>
+          <ac:spMkLst>
+            <pc:docMk/>
+            <pc:sldMk cId="3689003944" sldId="262"/>
+            <ac:spMk id="3" creationId="{553420E8-0547-8878-B488-ED540C37B7FB}"/>
+          </ac:spMkLst>
+        </pc:spChg>
+      </pc:sldChg>
+      <pc:sldChg chg="modSp mod">
+        <pc:chgData name="Aistė Grigaliūnaitė" userId="f1d0426f-91da-4a00-a9ec-23fb000caa66" providerId="ADAL" clId="{8E32784C-06D1-465E-BD51-12A99BB475B6}" dt="2022-10-19T14:57:39.266" v="1" actId="20577"/>
+        <pc:sldMkLst>
+          <pc:docMk/>
+          <pc:sldMk cId="257552317" sldId="271"/>
+        </pc:sldMkLst>
+        <pc:spChg chg="mod">
+          <ac:chgData name="Aistė Grigaliūnaitė" userId="f1d0426f-91da-4a00-a9ec-23fb000caa66" providerId="ADAL" clId="{8E32784C-06D1-465E-BD51-12A99BB475B6}" dt="2022-10-19T14:57:39.266" v="1" actId="20577"/>
+          <ac:spMkLst>
+            <pc:docMk/>
+            <pc:sldMk cId="257552317" sldId="271"/>
+            <ac:spMk id="2" creationId="{DD21C9F6-8B7C-AAE3-A626-9B0167E5B7F0}"/>
+          </ac:spMkLst>
+        </pc:spChg>
+      </pc:sldChg>
+    </pc:docChg>
+  </pc:docChgLst>
+  <pc:docChgLst>
+    <pc:chgData name="Nedas Janušauskas" userId="S::nedas.janusauskas@mif.stud.vu.lt::df4e6aec-44e0-4c2f-a1e8-74b8f1853aa9" providerId="AD" clId="Web-{98BC222F-E99E-C388-0FDD-9A852B3A829C}"/>
+    <pc:docChg chg="modSld">
+      <pc:chgData name="Nedas Janušauskas" userId="S::nedas.janusauskas@mif.stud.vu.lt::df4e6aec-44e0-4c2f-a1e8-74b8f1853aa9" providerId="AD" clId="Web-{98BC222F-E99E-C388-0FDD-9A852B3A829C}" dt="2022-10-05T11:27:22.544" v="5" actId="20577"/>
+      <pc:docMkLst>
+        <pc:docMk/>
+      </pc:docMkLst>
+      <pc:sldChg chg="modSp">
+        <pc:chgData name="Nedas Janušauskas" userId="S::nedas.janusauskas@mif.stud.vu.lt::df4e6aec-44e0-4c2f-a1e8-74b8f1853aa9" providerId="AD" clId="Web-{98BC222F-E99E-C388-0FDD-9A852B3A829C}" dt="2022-10-05T11:27:22.544" v="5" actId="20577"/>
+        <pc:sldMkLst>
+          <pc:docMk/>
+          <pc:sldMk cId="424736396" sldId="256"/>
+        </pc:sldMkLst>
+        <pc:spChg chg="mod">
+          <ac:chgData name="Nedas Janušauskas" userId="S::nedas.janusauskas@mif.stud.vu.lt::df4e6aec-44e0-4c2f-a1e8-74b8f1853aa9" providerId="AD" clId="Web-{98BC222F-E99E-C388-0FDD-9A852B3A829C}" dt="2022-10-05T11:27:22.544" v="5" actId="20577"/>
+          <ac:spMkLst>
+            <pc:docMk/>
+            <pc:sldMk cId="424736396" sldId="256"/>
+            <ac:spMk id="2" creationId="{00000000-0000-0000-0000-000000000000}"/>
+          </ac:spMkLst>
+        </pc:spChg>
+      </pc:sldChg>
+    </pc:docChg>
+  </pc:docChgLst>
+  <pc:docChgLst>
+    <pc:chgData name="Guest User" userId="S::urn:spo:anon#14e312955569a05650883a74254e610c30df8aa93570bbb0e0ef30045d2a5bff::" providerId="AD" clId="Web-{F9995DAB-3E8C-6989-8C35-18158D73FD52}"/>
+    <pc:docChg chg="modSld sldOrd">
+      <pc:chgData name="Guest User" userId="S::urn:spo:anon#14e312955569a05650883a74254e610c30df8aa93570bbb0e0ef30045d2a5bff::" providerId="AD" clId="Web-{F9995DAB-3E8C-6989-8C35-18158D73FD52}" dt="2022-10-05T13:31:48.819" v="290" actId="20577"/>
+      <pc:docMkLst>
+        <pc:docMk/>
+      </pc:docMkLst>
+      <pc:sldChg chg="modSp">
+        <pc:chgData name="Guest User" userId="S::urn:spo:anon#14e312955569a05650883a74254e610c30df8aa93570bbb0e0ef30045d2a5bff::" providerId="AD" clId="Web-{F9995DAB-3E8C-6989-8C35-18158D73FD52}" dt="2022-10-05T11:41:08.722" v="3" actId="20577"/>
+        <pc:sldMkLst>
+          <pc:docMk/>
+          <pc:sldMk cId="424736396" sldId="256"/>
+        </pc:sldMkLst>
+        <pc:spChg chg="mod">
+          <ac:chgData name="Guest User" userId="S::urn:spo:anon#14e312955569a05650883a74254e610c30df8aa93570bbb0e0ef30045d2a5bff::" providerId="AD" clId="Web-{F9995DAB-3E8C-6989-8C35-18158D73FD52}" dt="2022-10-05T11:41:08.722" v="3" actId="20577"/>
+          <ac:spMkLst>
+            <pc:docMk/>
+            <pc:sldMk cId="424736396" sldId="256"/>
+            <ac:spMk id="5" creationId="{2C768B79-FE22-B011-C5E6-3D5C706ADD7A}"/>
+          </ac:spMkLst>
+        </pc:spChg>
+      </pc:sldChg>
+      <pc:sldChg chg="modSp">
+        <pc:chgData name="Guest User" userId="S::urn:spo:anon#14e312955569a05650883a74254e610c30df8aa93570bbb0e0ef30045d2a5bff::" providerId="AD" clId="Web-{F9995DAB-3E8C-6989-8C35-18158D73FD52}" dt="2022-10-05T12:26:53.286" v="224" actId="20577"/>
+        <pc:sldMkLst>
+          <pc:docMk/>
+          <pc:sldMk cId="2715356841" sldId="257"/>
+        </pc:sldMkLst>
+        <pc:spChg chg="mod">
+          <ac:chgData name="Guest User" userId="S::urn:spo:anon#14e312955569a05650883a74254e610c30df8aa93570bbb0e0ef30045d2a5bff::" providerId="AD" clId="Web-{F9995DAB-3E8C-6989-8C35-18158D73FD52}" dt="2022-10-05T11:46:21.712" v="18" actId="20577"/>
+          <ac:spMkLst>
+            <pc:docMk/>
+            <pc:sldMk cId="2715356841" sldId="257"/>
+            <ac:spMk id="2" creationId="{9CB67E3E-6397-0720-116E-16EA7E4968A3}"/>
+          </ac:spMkLst>
+        </pc:spChg>
+        <pc:spChg chg="mod">
+          <ac:chgData name="Guest User" userId="S::urn:spo:anon#14e312955569a05650883a74254e610c30df8aa93570bbb0e0ef30045d2a5bff::" providerId="AD" clId="Web-{F9995DAB-3E8C-6989-8C35-18158D73FD52}" dt="2022-10-05T11:47:06.090" v="93" actId="20577"/>
+          <ac:spMkLst>
+            <pc:docMk/>
+            <pc:sldMk cId="2715356841" sldId="257"/>
+            <ac:spMk id="3" creationId="{D82A1AE9-F44A-A02F-EE44-C428586093D8}"/>
+          </ac:spMkLst>
+        </pc:spChg>
+        <pc:spChg chg="mod">
+          <ac:chgData name="Guest User" userId="S::urn:spo:anon#14e312955569a05650883a74254e610c30df8aa93570bbb0e0ef30045d2a5bff::" providerId="AD" clId="Web-{F9995DAB-3E8C-6989-8C35-18158D73FD52}" dt="2022-10-05T12:26:53.286" v="224" actId="20577"/>
+          <ac:spMkLst>
+            <pc:docMk/>
+            <pc:sldMk cId="2715356841" sldId="257"/>
+            <ac:spMk id="7" creationId="{A369199B-3BC0-76B1-D0A5-099436D75F38}"/>
+          </ac:spMkLst>
+        </pc:spChg>
+        <pc:spChg chg="mod">
+          <ac:chgData name="Guest User" userId="S::urn:spo:anon#14e312955569a05650883a74254e610c30df8aa93570bbb0e0ef30045d2a5bff::" providerId="AD" clId="Web-{F9995DAB-3E8C-6989-8C35-18158D73FD52}" dt="2022-10-05T12:24:40.683" v="218" actId="20577"/>
+          <ac:spMkLst>
+            <pc:docMk/>
+            <pc:sldMk cId="2715356841" sldId="257"/>
+            <ac:spMk id="8" creationId="{8CB1AAD4-7F68-52CD-6D3C-BF78BD8AFDAB}"/>
+          </ac:spMkLst>
+        </pc:spChg>
+      </pc:sldChg>
+      <pc:sldChg chg="addSp delSp modSp">
+        <pc:chgData name="Guest User" userId="S::urn:spo:anon#14e312955569a05650883a74254e610c30df8aa93570bbb0e0ef30045d2a5bff::" providerId="AD" clId="Web-{F9995DAB-3E8C-6989-8C35-18158D73FD52}" dt="2022-10-05T13:31:33.458" v="287"/>
+        <pc:sldMkLst>
+          <pc:docMk/>
+          <pc:sldMk cId="1436947609" sldId="260"/>
+        </pc:sldMkLst>
+        <pc:spChg chg="mod">
+          <ac:chgData name="Guest User" userId="S::urn:spo:anon#14e312955569a05650883a74254e610c30df8aa93570bbb0e0ef30045d2a5bff::" providerId="AD" clId="Web-{F9995DAB-3E8C-6989-8C35-18158D73FD52}" dt="2022-10-05T13:31:33.458" v="287"/>
+          <ac:spMkLst>
+            <pc:docMk/>
+            <pc:sldMk cId="1436947609" sldId="260"/>
+            <ac:spMk id="2" creationId="{CE3C95E2-4278-C2B1-692A-3019A6B010AF}"/>
+          </ac:spMkLst>
+        </pc:spChg>
+        <pc:spChg chg="mod">
+          <ac:chgData name="Guest User" userId="S::urn:spo:anon#14e312955569a05650883a74254e610c30df8aa93570bbb0e0ef30045d2a5bff::" providerId="AD" clId="Web-{F9995DAB-3E8C-6989-8C35-18158D73FD52}" dt="2022-10-05T13:31:33.458" v="287"/>
+          <ac:spMkLst>
+            <pc:docMk/>
+            <pc:sldMk cId="1436947609" sldId="260"/>
+            <ac:spMk id="4" creationId="{D3EC1666-C9C0-6EAC-F42E-876463C604D6}"/>
+          </ac:spMkLst>
+        </pc:spChg>
+        <pc:spChg chg="mod">
+          <ac:chgData name="Guest User" userId="S::urn:spo:anon#14e312955569a05650883a74254e610c30df8aa93570bbb0e0ef30045d2a5bff::" providerId="AD" clId="Web-{F9995DAB-3E8C-6989-8C35-18158D73FD52}" dt="2022-10-05T13:31:33.458" v="287"/>
+          <ac:spMkLst>
+            <pc:docMk/>
+            <pc:sldMk cId="1436947609" sldId="260"/>
+            <ac:spMk id="5" creationId="{2E875058-E637-4BC6-F1FC-635E6CC2B7E0}"/>
+          </ac:spMkLst>
+        </pc:spChg>
+        <pc:spChg chg="add del">
+          <ac:chgData name="Guest User" userId="S::urn:spo:anon#14e312955569a05650883a74254e610c30df8aa93570bbb0e0ef30045d2a5bff::" providerId="AD" clId="Web-{F9995DAB-3E8C-6989-8C35-18158D73FD52}" dt="2022-10-05T13:31:33.458" v="287"/>
+          <ac:spMkLst>
+            <pc:docMk/>
+            <pc:sldMk cId="1436947609" sldId="260"/>
+            <ac:spMk id="10" creationId="{B07E5620-40FB-1127-86E3-481EC1995CCA}"/>
+          </ac:spMkLst>
+        </pc:spChg>
+        <pc:spChg chg="add del">
+          <ac:chgData name="Guest User" userId="S::urn:spo:anon#14e312955569a05650883a74254e610c30df8aa93570bbb0e0ef30045d2a5bff::" providerId="AD" clId="Web-{F9995DAB-3E8C-6989-8C35-18158D73FD52}" dt="2022-10-05T13:31:33.458" v="287"/>
+          <ac:spMkLst>
+            <pc:docMk/>
+            <pc:sldMk cId="1436947609" sldId="260"/>
+            <ac:spMk id="16" creationId="{2B566528-1B12-4246-9431-5C2D7D081168}"/>
+          </ac:spMkLst>
+        </pc:spChg>
+        <pc:spChg chg="add del">
+          <ac:chgData name="Guest User" userId="S::urn:spo:anon#14e312955569a05650883a74254e610c30df8aa93570bbb0e0ef30045d2a5bff::" providerId="AD" clId="Web-{F9995DAB-3E8C-6989-8C35-18158D73FD52}" dt="2022-10-05T13:31:33.458" v="287"/>
+          <ac:spMkLst>
+            <pc:docMk/>
+            <pc:sldMk cId="1436947609" sldId="260"/>
+            <ac:spMk id="18" creationId="{2E80C965-DB6D-4F81-9E9E-B027384D0BD6}"/>
+          </ac:spMkLst>
+        </pc:spChg>
+        <pc:spChg chg="add del">
+          <ac:chgData name="Guest User" userId="S::urn:spo:anon#14e312955569a05650883a74254e610c30df8aa93570bbb0e0ef30045d2a5bff::" providerId="AD" clId="Web-{F9995DAB-3E8C-6989-8C35-18158D73FD52}" dt="2022-10-05T13:31:33.458" v="287"/>
+          <ac:spMkLst>
+            <pc:docMk/>
+            <pc:sldMk cId="1436947609" sldId="260"/>
+            <ac:spMk id="20" creationId="{A580F890-B085-4E95-96AA-55AEBEC5CE6E}"/>
+          </ac:spMkLst>
+        </pc:spChg>
+        <pc:spChg chg="add del">
+          <ac:chgData name="Guest User" userId="S::urn:spo:anon#14e312955569a05650883a74254e610c30df8aa93570bbb0e0ef30045d2a5bff::" providerId="AD" clId="Web-{F9995DAB-3E8C-6989-8C35-18158D73FD52}" dt="2022-10-05T13:31:33.458" v="287"/>
+          <ac:spMkLst>
+            <pc:docMk/>
+            <pc:sldMk cId="1436947609" sldId="260"/>
+            <ac:spMk id="22" creationId="{D3F51FEB-38FB-4F6C-9F7B-2F2AFAB65463}"/>
+          </ac:spMkLst>
+        </pc:spChg>
+        <pc:spChg chg="add del">
+          <ac:chgData name="Guest User" userId="S::urn:spo:anon#14e312955569a05650883a74254e610c30df8aa93570bbb0e0ef30045d2a5bff::" providerId="AD" clId="Web-{F9995DAB-3E8C-6989-8C35-18158D73FD52}" dt="2022-10-05T13:31:33.458" v="287"/>
+          <ac:spMkLst>
+            <pc:docMk/>
+            <pc:sldMk cId="1436947609" sldId="260"/>
+            <ac:spMk id="24" creationId="{1E547BA6-BAE0-43BB-A7CA-60F69CE252F0}"/>
+          </ac:spMkLst>
+        </pc:spChg>
+        <pc:graphicFrameChg chg="add del">
+          <ac:chgData name="Guest User" userId="S::urn:spo:anon#14e312955569a05650883a74254e610c30df8aa93570bbb0e0ef30045d2a5bff::" providerId="AD" clId="Web-{F9995DAB-3E8C-6989-8C35-18158D73FD52}" dt="2022-10-05T13:31:33.458" v="287"/>
+          <ac:graphicFrameMkLst>
+            <pc:docMk/>
+            <pc:sldMk cId="1436947609" sldId="260"/>
+            <ac:graphicFrameMk id="12" creationId="{9FE5E965-004C-41F1-2765-CEEC629BC0E4}"/>
+          </ac:graphicFrameMkLst>
+        </pc:graphicFrameChg>
+      </pc:sldChg>
+      <pc:sldChg chg="modSp">
+        <pc:chgData name="Guest User" userId="S::urn:spo:anon#14e312955569a05650883a74254e610c30df8aa93570bbb0e0ef30045d2a5bff::" providerId="AD" clId="Web-{F9995DAB-3E8C-6989-8C35-18158D73FD52}" dt="2022-10-05T13:29:13.496" v="281" actId="20577"/>
+        <pc:sldMkLst>
+          <pc:docMk/>
+          <pc:sldMk cId="1703583134" sldId="261"/>
+        </pc:sldMkLst>
+        <pc:spChg chg="mod">
+          <ac:chgData name="Guest User" userId="S::urn:spo:anon#14e312955569a05650883a74254e610c30df8aa93570bbb0e0ef30045d2a5bff::" providerId="AD" clId="Web-{F9995DAB-3E8C-6989-8C35-18158D73FD52}" dt="2022-10-05T13:29:13.496" v="281" actId="20577"/>
+          <ac:spMkLst>
+            <pc:docMk/>
+            <pc:sldMk cId="1703583134" sldId="261"/>
+            <ac:spMk id="5" creationId="{F9F3129D-46BB-7520-3F16-D51F9AAB4EE8}"/>
+          </ac:spMkLst>
+        </pc:spChg>
+      </pc:sldChg>
+      <pc:sldChg chg="modSp ord">
+        <pc:chgData name="Guest User" userId="S::urn:spo:anon#14e312955569a05650883a74254e610c30df8aa93570bbb0e0ef30045d2a5bff::" providerId="AD" clId="Web-{F9995DAB-3E8C-6989-8C35-18158D73FD52}" dt="2022-10-05T13:29:05.636" v="277" actId="20577"/>
+        <pc:sldMkLst>
+          <pc:docMk/>
+          <pc:sldMk cId="3689003944" sldId="262"/>
+        </pc:sldMkLst>
+        <pc:spChg chg="mod">
+          <ac:chgData name="Guest User" userId="S::urn:spo:anon#14e312955569a05650883a74254e610c30df8aa93570bbb0e0ef30045d2a5bff::" providerId="AD" clId="Web-{F9995DAB-3E8C-6989-8C35-18158D73FD52}" dt="2022-10-05T13:22:55.954" v="275" actId="20577"/>
+          <ac:spMkLst>
+            <pc:docMk/>
+            <pc:sldMk cId="3689003944" sldId="262"/>
+            <ac:spMk id="3" creationId="{553420E8-0547-8878-B488-ED540C37B7FB}"/>
+          </ac:spMkLst>
+        </pc:spChg>
+        <pc:spChg chg="mod">
+          <ac:chgData name="Guest User" userId="S::urn:spo:anon#14e312955569a05650883a74254e610c30df8aa93570bbb0e0ef30045d2a5bff::" providerId="AD" clId="Web-{F9995DAB-3E8C-6989-8C35-18158D73FD52}" dt="2022-10-05T13:29:05.636" v="277" actId="20577"/>
+          <ac:spMkLst>
+            <pc:docMk/>
+            <pc:sldMk cId="3689003944" sldId="262"/>
+            <ac:spMk id="5" creationId="{7248B754-896D-495E-2FD0-C4A8BEA713EC}"/>
+          </ac:spMkLst>
+        </pc:spChg>
+      </pc:sldChg>
+      <pc:sldChg chg="modSp">
+        <pc:chgData name="Guest User" userId="S::urn:spo:anon#14e312955569a05650883a74254e610c30df8aa93570bbb0e0ef30045d2a5bff::" providerId="AD" clId="Web-{F9995DAB-3E8C-6989-8C35-18158D73FD52}" dt="2022-10-05T13:29:16.168" v="283" actId="20577"/>
+        <pc:sldMkLst>
+          <pc:docMk/>
+          <pc:sldMk cId="2474636435" sldId="263"/>
+        </pc:sldMkLst>
+        <pc:spChg chg="mod">
+          <ac:chgData name="Guest User" userId="S::urn:spo:anon#14e312955569a05650883a74254e610c30df8aa93570bbb0e0ef30045d2a5bff::" providerId="AD" clId="Web-{F9995DAB-3E8C-6989-8C35-18158D73FD52}" dt="2022-10-05T13:29:16.168" v="283" actId="20577"/>
+          <ac:spMkLst>
+            <pc:docMk/>
+            <pc:sldMk cId="2474636435" sldId="263"/>
+            <ac:spMk id="5" creationId="{DE7C9CC4-B7BA-9C00-2E6B-737C6D93F438}"/>
+          </ac:spMkLst>
+        </pc:spChg>
+      </pc:sldChg>
+      <pc:sldChg chg="modSp">
+        <pc:chgData name="Guest User" userId="S::urn:spo:anon#14e312955569a05650883a74254e610c30df8aa93570bbb0e0ef30045d2a5bff::" providerId="AD" clId="Web-{F9995DAB-3E8C-6989-8C35-18158D73FD52}" dt="2022-10-05T13:31:48.819" v="290" actId="20577"/>
+        <pc:sldMkLst>
+          <pc:docMk/>
+          <pc:sldMk cId="1497166392" sldId="264"/>
+        </pc:sldMkLst>
+        <pc:spChg chg="mod">
+          <ac:chgData name="Guest User" userId="S::urn:spo:anon#14e312955569a05650883a74254e610c30df8aa93570bbb0e0ef30045d2a5bff::" providerId="AD" clId="Web-{F9995DAB-3E8C-6989-8C35-18158D73FD52}" dt="2022-10-05T13:31:48.819" v="290" actId="20577"/>
+          <ac:spMkLst>
+            <pc:docMk/>
+            <pc:sldMk cId="1497166392" sldId="264"/>
+            <ac:spMk id="5" creationId="{EC3671FE-02B3-BB63-B9E8-4D3E0B7DC22F}"/>
+          </ac:spMkLst>
+        </pc:spChg>
+      </pc:sldChg>
+      <pc:sldChg chg="addSp delSp modSp">
+        <pc:chgData name="Guest User" userId="S::urn:spo:anon#14e312955569a05650883a74254e610c30df8aa93570bbb0e0ef30045d2a5bff::" providerId="AD" clId="Web-{F9995DAB-3E8C-6989-8C35-18158D73FD52}" dt="2022-10-05T12:47:55.904" v="226" actId="20577"/>
+        <pc:sldMkLst>
+          <pc:docMk/>
+          <pc:sldMk cId="4202983703" sldId="268"/>
+        </pc:sldMkLst>
+        <pc:spChg chg="del">
+          <ac:chgData name="Guest User" userId="S::urn:spo:anon#14e312955569a05650883a74254e610c30df8aa93570bbb0e0ef30045d2a5bff::" providerId="AD" clId="Web-{F9995DAB-3E8C-6989-8C35-18158D73FD52}" dt="2022-10-05T12:14:50.642" v="94"/>
+          <ac:spMkLst>
+            <pc:docMk/>
+            <pc:sldMk cId="4202983703" sldId="268"/>
+            <ac:spMk id="3" creationId="{A23D2DC8-ED73-47CF-A694-55DCBECF3CAA}"/>
+          </ac:spMkLst>
+        </pc:spChg>
+        <pc:spChg chg="mod">
+          <ac:chgData name="Guest User" userId="S::urn:spo:anon#14e312955569a05650883a74254e610c30df8aa93570bbb0e0ef30045d2a5bff::" providerId="AD" clId="Web-{F9995DAB-3E8C-6989-8C35-18158D73FD52}" dt="2022-10-05T12:47:55.904" v="226" actId="20577"/>
+          <ac:spMkLst>
+            <pc:docMk/>
+            <pc:sldMk cId="4202983703" sldId="268"/>
+            <ac:spMk id="5" creationId="{2E875058-E637-4BC6-F1FC-635E6CC2B7E0}"/>
+          </ac:spMkLst>
+        </pc:spChg>
+        <pc:spChg chg="add del mod">
+          <ac:chgData name="Guest User" userId="S::urn:spo:anon#14e312955569a05650883a74254e610c30df8aa93570bbb0e0ef30045d2a5bff::" providerId="AD" clId="Web-{F9995DAB-3E8C-6989-8C35-18158D73FD52}" dt="2022-10-05T12:15:57.694" v="96"/>
+          <ac:spMkLst>
+            <pc:docMk/>
+            <pc:sldMk cId="4202983703" sldId="268"/>
+            <ac:spMk id="9" creationId="{8215B1DC-D24D-0C25-69F6-707ECF7C143B}"/>
+          </ac:spMkLst>
+        </pc:spChg>
+        <pc:picChg chg="add del mod ord">
+          <ac:chgData name="Guest User" userId="S::urn:spo:anon#14e312955569a05650883a74254e610c30df8aa93570bbb0e0ef30045d2a5bff::" providerId="AD" clId="Web-{F9995DAB-3E8C-6989-8C35-18158D73FD52}" dt="2022-10-05T12:15:18.082" v="95"/>
+          <ac:picMkLst>
+            <pc:docMk/>
+            <pc:sldMk cId="4202983703" sldId="268"/>
+            <ac:picMk id="7" creationId="{85054803-98BD-6040-F753-B1733BAE3D3C}"/>
+          </ac:picMkLst>
+        </pc:picChg>
+        <pc:picChg chg="add mod ord">
+          <ac:chgData name="Guest User" userId="S::urn:spo:anon#14e312955569a05650883a74254e610c30df8aa93570bbb0e0ef30045d2a5bff::" providerId="AD" clId="Web-{F9995DAB-3E8C-6989-8C35-18158D73FD52}" dt="2022-10-05T12:15:57.694" v="96"/>
+          <ac:picMkLst>
+            <pc:docMk/>
+            <pc:sldMk cId="4202983703" sldId="268"/>
+            <ac:picMk id="10" creationId="{FDDD88CB-25A0-8722-C3FD-FAD151AE7253}"/>
+          </ac:picMkLst>
+        </pc:picChg>
+      </pc:sldChg>
+    </pc:docChg>
+  </pc:docChgLst>
+  <pc:docChgLst>
+    <pc:chgData name="Nedas Janušauskas" userId="S::nedas.janusauskas@mif.stud.vu.lt::df4e6aec-44e0-4c2f-a1e8-74b8f1853aa9" providerId="AD" clId="Web-{021E4F76-5779-F97B-F7CF-A37D45461E26}"/>
+    <pc:docChg chg="addSld delSld modSld sldOrd">
+      <pc:chgData name="Nedas Janušauskas" userId="S::nedas.janusauskas@mif.stud.vu.lt::df4e6aec-44e0-4c2f-a1e8-74b8f1853aa9" providerId="AD" clId="Web-{021E4F76-5779-F97B-F7CF-A37D45461E26}" dt="2022-10-05T13:31:54.750" v="973" actId="20577"/>
+      <pc:docMkLst>
+        <pc:docMk/>
+      </pc:docMkLst>
+      <pc:sldChg chg="modSp">
+        <pc:chgData name="Nedas Janušauskas" userId="S::nedas.janusauskas@mif.stud.vu.lt::df4e6aec-44e0-4c2f-a1e8-74b8f1853aa9" providerId="AD" clId="Web-{021E4F76-5779-F97B-F7CF-A37D45461E26}" dt="2022-10-05T12:27:58.087" v="291" actId="20577"/>
+        <pc:sldMkLst>
+          <pc:docMk/>
+          <pc:sldMk cId="424736396" sldId="256"/>
+        </pc:sldMkLst>
+        <pc:spChg chg="mod">
+          <ac:chgData name="Nedas Janušauskas" userId="S::nedas.janusauskas@mif.stud.vu.lt::df4e6aec-44e0-4c2f-a1e8-74b8f1853aa9" providerId="AD" clId="Web-{021E4F76-5779-F97B-F7CF-A37D45461E26}" dt="2022-10-05T12:27:58.087" v="291" actId="20577"/>
+          <ac:spMkLst>
+            <pc:docMk/>
+            <pc:sldMk cId="424736396" sldId="256"/>
+            <ac:spMk id="4" creationId="{09BC6DCB-E926-8CD9-79D7-5F5922BDDF8B}"/>
+          </ac:spMkLst>
+        </pc:spChg>
+        <pc:spChg chg="mod">
+          <ac:chgData name="Nedas Janušauskas" userId="S::nedas.janusauskas@mif.stud.vu.lt::df4e6aec-44e0-4c2f-a1e8-74b8f1853aa9" providerId="AD" clId="Web-{021E4F76-5779-F97B-F7CF-A37D45461E26}" dt="2022-10-05T11:40:30.605" v="55" actId="20577"/>
+          <ac:spMkLst>
+            <pc:docMk/>
+            <pc:sldMk cId="424736396" sldId="256"/>
+            <ac:spMk id="5" creationId="{2C768B79-FE22-B011-C5E6-3D5C706ADD7A}"/>
+          </ac:spMkLst>
+        </pc:spChg>
+        <pc:spChg chg="mod">
+          <ac:chgData name="Nedas Janušauskas" userId="S::nedas.janusauskas@mif.stud.vu.lt::df4e6aec-44e0-4c2f-a1e8-74b8f1853aa9" providerId="AD" clId="Web-{021E4F76-5779-F97B-F7CF-A37D45461E26}" dt="2022-10-05T11:41:50.919" v="77" actId="20577"/>
+          <ac:spMkLst>
+            <pc:docMk/>
+            <pc:sldMk cId="424736396" sldId="256"/>
+            <ac:spMk id="7" creationId="{14CC70F3-2958-0DC8-21F7-3A217A05CF59}"/>
+          </ac:spMkLst>
+        </pc:spChg>
+      </pc:sldChg>
+      <pc:sldChg chg="modSp">
+        <pc:chgData name="Nedas Janušauskas" userId="S::nedas.janusauskas@mif.stud.vu.lt::df4e6aec-44e0-4c2f-a1e8-74b8f1853aa9" providerId="AD" clId="Web-{021E4F76-5779-F97B-F7CF-A37D45461E26}" dt="2022-10-05T12:27:40.649" v="288" actId="20577"/>
+        <pc:sldMkLst>
+          <pc:docMk/>
+          <pc:sldMk cId="2715356841" sldId="257"/>
+        </pc:sldMkLst>
+        <pc:spChg chg="mod">
+          <ac:chgData name="Nedas Janušauskas" userId="S::nedas.janusauskas@mif.stud.vu.lt::df4e6aec-44e0-4c2f-a1e8-74b8f1853aa9" providerId="AD" clId="Web-{021E4F76-5779-F97B-F7CF-A37D45461E26}" dt="2022-10-05T12:27:40.649" v="288" actId="20577"/>
+          <ac:spMkLst>
+            <pc:docMk/>
+            <pc:sldMk cId="2715356841" sldId="257"/>
+            <ac:spMk id="2" creationId="{9CB67E3E-6397-0720-116E-16EA7E4968A3}"/>
+          </ac:spMkLst>
+        </pc:spChg>
+        <pc:spChg chg="mod">
+          <ac:chgData name="Nedas Janušauskas" userId="S::nedas.janusauskas@mif.stud.vu.lt::df4e6aec-44e0-4c2f-a1e8-74b8f1853aa9" providerId="AD" clId="Web-{021E4F76-5779-F97B-F7CF-A37D45461E26}" dt="2022-10-05T11:52:26.941" v="94" actId="20577"/>
+          <ac:spMkLst>
+            <pc:docMk/>
+            <pc:sldMk cId="2715356841" sldId="257"/>
+            <ac:spMk id="3" creationId="{D82A1AE9-F44A-A02F-EE44-C428586093D8}"/>
+          </ac:spMkLst>
+        </pc:spChg>
+        <pc:spChg chg="mod">
+          <ac:chgData name="Nedas Janušauskas" userId="S::nedas.janusauskas@mif.stud.vu.lt::df4e6aec-44e0-4c2f-a1e8-74b8f1853aa9" providerId="AD" clId="Web-{021E4F76-5779-F97B-F7CF-A37D45461E26}" dt="2022-10-05T12:26:13.555" v="278" actId="20577"/>
+          <ac:spMkLst>
+            <pc:docMk/>
+            <pc:sldMk cId="2715356841" sldId="257"/>
+            <ac:spMk id="8" creationId="{8CB1AAD4-7F68-52CD-6D3C-BF78BD8AFDAB}"/>
+          </ac:spMkLst>
+        </pc:spChg>
+      </pc:sldChg>
+      <pc:sldChg chg="modSp new">
+        <pc:chgData name="Nedas Janušauskas" userId="S::nedas.janusauskas@mif.stud.vu.lt::df4e6aec-44e0-4c2f-a1e8-74b8f1853aa9" providerId="AD" clId="Web-{021E4F76-5779-F97B-F7CF-A37D45461E26}" dt="2022-10-05T12:27:30.946" v="286" actId="20577"/>
+        <pc:sldMkLst>
+          <pc:docMk/>
+          <pc:sldMk cId="2663784176" sldId="258"/>
+        </pc:sldMkLst>
+        <pc:spChg chg="mod">
+          <ac:chgData name="Nedas Janušauskas" userId="S::nedas.janusauskas@mif.stud.vu.lt::df4e6aec-44e0-4c2f-a1e8-74b8f1853aa9" providerId="AD" clId="Web-{021E4F76-5779-F97B-F7CF-A37D45461E26}" dt="2022-10-05T12:27:30.946" v="286" actId="20577"/>
+          <ac:spMkLst>
+            <pc:docMk/>
+            <pc:sldMk cId="2663784176" sldId="258"/>
+            <ac:spMk id="2" creationId="{1ADB367F-F23C-8AF5-153F-6956E157A3EB}"/>
+          </ac:spMkLst>
+        </pc:spChg>
+      </pc:sldChg>
+      <pc:sldChg chg="modSp new">
+        <pc:chgData name="Nedas Janušauskas" userId="S::nedas.janusauskas@mif.stud.vu.lt::df4e6aec-44e0-4c2f-a1e8-74b8f1853aa9" providerId="AD" clId="Web-{021E4F76-5779-F97B-F7CF-A37D45461E26}" dt="2022-10-05T12:27:21.899" v="284" actId="20577"/>
+        <pc:sldMkLst>
+          <pc:docMk/>
+          <pc:sldMk cId="1958378916" sldId="259"/>
+        </pc:sldMkLst>
+        <pc:spChg chg="mod">
+          <ac:chgData name="Nedas Janušauskas" userId="S::nedas.janusauskas@mif.stud.vu.lt::df4e6aec-44e0-4c2f-a1e8-74b8f1853aa9" providerId="AD" clId="Web-{021E4F76-5779-F97B-F7CF-A37D45461E26}" dt="2022-10-05T12:27:21.899" v="284" actId="20577"/>
+          <ac:spMkLst>
+            <pc:docMk/>
+            <pc:sldMk cId="1958378916" sldId="259"/>
+            <ac:spMk id="2" creationId="{B6B33ABB-36AD-7879-2422-F97E09B08B76}"/>
+          </ac:spMkLst>
+        </pc:spChg>
+      </pc:sldChg>
+      <pc:sldChg chg="addSp delSp modSp new">
+        <pc:chgData name="Nedas Janušauskas" userId="S::nedas.janusauskas@mif.stud.vu.lt::df4e6aec-44e0-4c2f-a1e8-74b8f1853aa9" providerId="AD" clId="Web-{021E4F76-5779-F97B-F7CF-A37D45461E26}" dt="2022-10-05T12:59:53.028" v="525" actId="20577"/>
+        <pc:sldMkLst>
+          <pc:docMk/>
+          <pc:sldMk cId="1436947609" sldId="260"/>
+        </pc:sldMkLst>
+        <pc:spChg chg="mod">
+          <ac:chgData name="Nedas Janušauskas" userId="S::nedas.janusauskas@mif.stud.vu.lt::df4e6aec-44e0-4c2f-a1e8-74b8f1853aa9" providerId="AD" clId="Web-{021E4F76-5779-F97B-F7CF-A37D45461E26}" dt="2022-10-05T12:27:02.508" v="281" actId="20577"/>
+          <ac:spMkLst>
+            <pc:docMk/>
+            <pc:sldMk cId="1436947609" sldId="260"/>
+            <ac:spMk id="2" creationId="{CE3C95E2-4278-C2B1-692A-3019A6B010AF}"/>
+          </ac:spMkLst>
+        </pc:spChg>
+        <pc:spChg chg="mod">
+          <ac:chgData name="Nedas Janušauskas" userId="S::nedas.janusauskas@mif.stud.vu.lt::df4e6aec-44e0-4c2f-a1e8-74b8f1853aa9" providerId="AD" clId="Web-{021E4F76-5779-F97B-F7CF-A37D45461E26}" dt="2022-10-05T12:09:04.497" v="135" actId="1076"/>
+          <ac:spMkLst>
+            <pc:docMk/>
+            <pc:sldMk cId="1436947609" sldId="260"/>
+            <ac:spMk id="3" creationId="{A23D2DC8-ED73-47CF-A694-55DCBECF3CAA}"/>
+          </ac:spMkLst>
+        </pc:spChg>
+        <pc:spChg chg="mod">
+          <ac:chgData name="Nedas Janušauskas" userId="S::nedas.janusauskas@mif.stud.vu.lt::df4e6aec-44e0-4c2f-a1e8-74b8f1853aa9" providerId="AD" clId="Web-{021E4F76-5779-F97B-F7CF-A37D45461E26}" dt="2022-10-05T12:52:29.008" v="492" actId="20577"/>
+          <ac:spMkLst>
+            <pc:docMk/>
+            <pc:sldMk cId="1436947609" sldId="260"/>
+            <ac:spMk id="5" creationId="{2E875058-E637-4BC6-F1FC-635E6CC2B7E0}"/>
+          </ac:spMkLst>
+        </pc:spChg>
+        <pc:spChg chg="add del mod">
+          <ac:chgData name="Nedas Janušauskas" userId="S::nedas.janusauskas@mif.stud.vu.lt::df4e6aec-44e0-4c2f-a1e8-74b8f1853aa9" providerId="AD" clId="Web-{021E4F76-5779-F97B-F7CF-A37D45461E26}" dt="2022-10-05T12:09:16.826" v="138"/>
+          <ac:spMkLst>
+            <pc:docMk/>
+            <pc:sldMk cId="1436947609" sldId="260"/>
+            <ac:spMk id="6" creationId="{2B1B37F7-D2A6-D40A-E55C-EBF5E53C93D0}"/>
+          </ac:spMkLst>
+        </pc:spChg>
+        <pc:spChg chg="mod">
+          <ac:chgData name="Nedas Janušauskas" userId="S::nedas.janusauskas@mif.stud.vu.lt::df4e6aec-44e0-4c2f-a1e8-74b8f1853aa9" providerId="AD" clId="Web-{021E4F76-5779-F97B-F7CF-A37D45461E26}" dt="2022-10-05T12:59:53.028" v="525" actId="20577"/>
+          <ac:spMkLst>
+            <pc:docMk/>
+            <pc:sldMk cId="1436947609" sldId="260"/>
+            <ac:spMk id="10" creationId="{B07E5620-40FB-1127-86E3-481EC1995CCA}"/>
+          </ac:spMkLst>
+        </pc:spChg>
+      </pc:sldChg>
+      <pc:sldChg chg="modSp new">
+        <pc:chgData name="Nedas Janušauskas" userId="S::nedas.janusauskas@mif.stud.vu.lt::df4e6aec-44e0-4c2f-a1e8-74b8f1853aa9" providerId="AD" clId="Web-{021E4F76-5779-F97B-F7CF-A37D45461E26}" dt="2022-10-05T12:37:10.592" v="379" actId="20577"/>
+        <pc:sldMkLst>
+          <pc:docMk/>
+          <pc:sldMk cId="1703583134" sldId="261"/>
+        </pc:sldMkLst>
+        <pc:spChg chg="mod">
+          <ac:chgData name="Nedas Janušauskas" userId="S::nedas.janusauskas@mif.stud.vu.lt::df4e6aec-44e0-4c2f-a1e8-74b8f1853aa9" providerId="AD" clId="Web-{021E4F76-5779-F97B-F7CF-A37D45461E26}" dt="2022-10-05T12:28:22.306" v="293" actId="20577"/>
+          <ac:spMkLst>
+            <pc:docMk/>
+            <pc:sldMk cId="1703583134" sldId="261"/>
+            <ac:spMk id="2" creationId="{FC6BAF85-E296-2C1F-0DB5-C59C8B771EA2}"/>
+          </ac:spMkLst>
+        </pc:spChg>
+        <pc:spChg chg="mod">
+          <ac:chgData name="Nedas Janušauskas" userId="S::nedas.janusauskas@mif.stud.vu.lt::df4e6aec-44e0-4c2f-a1e8-74b8f1853aa9" providerId="AD" clId="Web-{021E4F76-5779-F97B-F7CF-A37D45461E26}" dt="2022-10-05T12:37:10.592" v="379" actId="20577"/>
+          <ac:spMkLst>
+            <pc:docMk/>
+            <pc:sldMk cId="1703583134" sldId="261"/>
+            <ac:spMk id="3" creationId="{781B2D45-2C7F-B7FE-3E09-06D276C2CCB5}"/>
+          </ac:spMkLst>
+        </pc:spChg>
+      </pc:sldChg>
+      <pc:sldChg chg="addSp delSp modSp new">
+        <pc:chgData name="Nedas Janušauskas" userId="S::nedas.janusauskas@mif.stud.vu.lt::df4e6aec-44e0-4c2f-a1e8-74b8f1853aa9" providerId="AD" clId="Web-{021E4F76-5779-F97B-F7CF-A37D45461E26}" dt="2022-10-05T13:01:11.904" v="566" actId="20577"/>
+        <pc:sldMkLst>
+          <pc:docMk/>
+          <pc:sldMk cId="3689003944" sldId="262"/>
+        </pc:sldMkLst>
+        <pc:spChg chg="mod">
+          <ac:chgData name="Nedas Janušauskas" userId="S::nedas.janusauskas@mif.stud.vu.lt::df4e6aec-44e0-4c2f-a1e8-74b8f1853aa9" providerId="AD" clId="Web-{021E4F76-5779-F97B-F7CF-A37D45461E26}" dt="2022-10-05T12:28:30.447" v="295" actId="20577"/>
+          <ac:spMkLst>
+            <pc:docMk/>
+            <pc:sldMk cId="3689003944" sldId="262"/>
+            <ac:spMk id="2" creationId="{C34358B8-652E-E34A-0FFB-5AC5FFDF64AF}"/>
+          </ac:spMkLst>
+        </pc:spChg>
+        <pc:spChg chg="add del mod">
+          <ac:chgData name="Nedas Janušauskas" userId="S::nedas.janusauskas@mif.stud.vu.lt::df4e6aec-44e0-4c2f-a1e8-74b8f1853aa9" providerId="AD" clId="Web-{021E4F76-5779-F97B-F7CF-A37D45461E26}" dt="2022-10-05T13:01:11.904" v="566" actId="20577"/>
+          <ac:spMkLst>
+            <pc:docMk/>
+            <pc:sldMk cId="3689003944" sldId="262"/>
+            <ac:spMk id="3" creationId="{553420E8-0547-8878-B488-ED540C37B7FB}"/>
+          </ac:spMkLst>
+        </pc:spChg>
+      </pc:sldChg>
+      <pc:sldChg chg="delSp modSp new">
+        <pc:chgData name="Nedas Janušauskas" userId="S::nedas.janusauskas@mif.stud.vu.lt::df4e6aec-44e0-4c2f-a1e8-74b8f1853aa9" providerId="AD" clId="Web-{021E4F76-5779-F97B-F7CF-A37D45461E26}" dt="2022-10-05T12:53:13.118" v="496" actId="20577"/>
+        <pc:sldMkLst>
+          <pc:docMk/>
+          <pc:sldMk cId="2474636435" sldId="263"/>
+        </pc:sldMkLst>
+        <pc:spChg chg="mod">
+          <ac:chgData name="Nedas Janušauskas" userId="S::nedas.janusauskas@mif.stud.vu.lt::df4e6aec-44e0-4c2f-a1e8-74b8f1853aa9" providerId="AD" clId="Web-{021E4F76-5779-F97B-F7CF-A37D45461E26}" dt="2022-10-05T12:28:40.994" v="296" actId="20577"/>
+          <ac:spMkLst>
+            <pc:docMk/>
+            <pc:sldMk cId="2474636435" sldId="263"/>
+            <ac:spMk id="2" creationId="{BF18973F-FF06-DB10-8789-8E4C28D7A658}"/>
+          </ac:spMkLst>
+        </pc:spChg>
+        <pc:spChg chg="del">
+          <ac:chgData name="Nedas Janušauskas" userId="S::nedas.janusauskas@mif.stud.vu.lt::df4e6aec-44e0-4c2f-a1e8-74b8f1853aa9" providerId="AD" clId="Web-{021E4F76-5779-F97B-F7CF-A37D45461E26}" dt="2022-10-05T11:37:13.478" v="6"/>
+          <ac:spMkLst>
+            <pc:docMk/>
+            <pc:sldMk cId="2474636435" sldId="263"/>
+            <ac:spMk id="3" creationId="{A7BEF5A2-C191-4FE0-215F-0252E381C065}"/>
+          </ac:spMkLst>
+        </pc:spChg>
+        <pc:spChg chg="mod">
+          <ac:chgData name="Nedas Janušauskas" userId="S::nedas.janusauskas@mif.stud.vu.lt::df4e6aec-44e0-4c2f-a1e8-74b8f1853aa9" providerId="AD" clId="Web-{021E4F76-5779-F97B-F7CF-A37D45461E26}" dt="2022-10-05T12:53:13.118" v="496" actId="20577"/>
+          <ac:spMkLst>
+            <pc:docMk/>
+            <pc:sldMk cId="2474636435" sldId="263"/>
+            <ac:spMk id="5" creationId="{DE7C9CC4-B7BA-9C00-2E6B-737C6D93F438}"/>
+          </ac:spMkLst>
+        </pc:spChg>
+      </pc:sldChg>
+      <pc:sldChg chg="delSp modSp new">
+        <pc:chgData name="Nedas Janušauskas" userId="S::nedas.janusauskas@mif.stud.vu.lt::df4e6aec-44e0-4c2f-a1e8-74b8f1853aa9" providerId="AD" clId="Web-{021E4F76-5779-F97B-F7CF-A37D45461E26}" dt="2022-10-05T12:53:19.399" v="500" actId="20577"/>
+        <pc:sldMkLst>
+          <pc:docMk/>
+          <pc:sldMk cId="1497166392" sldId="264"/>
+        </pc:sldMkLst>
+        <pc:spChg chg="mod">
+          <ac:chgData name="Nedas Janušauskas" userId="S::nedas.janusauskas@mif.stud.vu.lt::df4e6aec-44e0-4c2f-a1e8-74b8f1853aa9" providerId="AD" clId="Web-{021E4F76-5779-F97B-F7CF-A37D45461E26}" dt="2022-10-05T12:28:46.447" v="297" actId="20577"/>
+          <ac:spMkLst>
+            <pc:docMk/>
+            <pc:sldMk cId="1497166392" sldId="264"/>
+            <ac:spMk id="2" creationId="{77FF5E75-C031-6CDD-DF57-B7D2E31D4FCD}"/>
+          </ac:spMkLst>
+        </pc:spChg>
+        <pc:spChg chg="del mod">
+          <ac:chgData name="Nedas Janušauskas" userId="S::nedas.janusauskas@mif.stud.vu.lt::df4e6aec-44e0-4c2f-a1e8-74b8f1853aa9" providerId="AD" clId="Web-{021E4F76-5779-F97B-F7CF-A37D45461E26}" dt="2022-10-05T11:41:05.699" v="72"/>
+          <ac:spMkLst>
+            <pc:docMk/>
+            <pc:sldMk cId="1497166392" sldId="264"/>
+            <ac:spMk id="3" creationId="{C634AD89-ED55-9053-871B-21C079D101EC}"/>
+          </ac:spMkLst>
+        </pc:spChg>
+        <pc:spChg chg="mod">
+          <ac:chgData name="Nedas Janušauskas" userId="S::nedas.janusauskas@mif.stud.vu.lt::df4e6aec-44e0-4c2f-a1e8-74b8f1853aa9" providerId="AD" clId="Web-{021E4F76-5779-F97B-F7CF-A37D45461E26}" dt="2022-10-05T12:53:19.399" v="500" actId="20577"/>
+          <ac:spMkLst>
+            <pc:docMk/>
+            <pc:sldMk cId="1497166392" sldId="264"/>
+            <ac:spMk id="5" creationId="{EC3671FE-02B3-BB63-B9E8-4D3E0B7DC22F}"/>
+          </ac:spMkLst>
+        </pc:spChg>
+      </pc:sldChg>
+      <pc:sldChg chg="new del">
+        <pc:chgData name="Nedas Janušauskas" userId="S::nedas.janusauskas@mif.stud.vu.lt::df4e6aec-44e0-4c2f-a1e8-74b8f1853aa9" providerId="AD" clId="Web-{021E4F76-5779-F97B-F7CF-A37D45461E26}" dt="2022-10-05T11:40:45.152" v="58"/>
+        <pc:sldMkLst>
+          <pc:docMk/>
+          <pc:sldMk cId="2156238249" sldId="264"/>
+        </pc:sldMkLst>
+      </pc:sldChg>
+      <pc:sldChg chg="modSp">
+        <pc:chgData name="Nedas Janušauskas" userId="S::nedas.janusauskas@mif.stud.vu.lt::df4e6aec-44e0-4c2f-a1e8-74b8f1853aa9" providerId="AD" clId="Web-{021E4F76-5779-F97B-F7CF-A37D45461E26}" dt="2022-10-05T12:27:53.649" v="290" actId="20577"/>
+        <pc:sldMkLst>
+          <pc:docMk/>
+          <pc:sldMk cId="4135263232" sldId="265"/>
+        </pc:sldMkLst>
+        <pc:spChg chg="mod">
+          <ac:chgData name="Nedas Janušauskas" userId="S::nedas.janusauskas@mif.stud.vu.lt::df4e6aec-44e0-4c2f-a1e8-74b8f1853aa9" providerId="AD" clId="Web-{021E4F76-5779-F97B-F7CF-A37D45461E26}" dt="2022-10-05T12:27:53.649" v="290" actId="20577"/>
+          <ac:spMkLst>
+            <pc:docMk/>
+            <pc:sldMk cId="4135263232" sldId="265"/>
+            <ac:spMk id="2" creationId="{ECB50097-F312-A44E-6689-DFEB26137F80}"/>
+          </ac:spMkLst>
+        </pc:spChg>
+        <pc:spChg chg="mod">
+          <ac:chgData name="Nedas Janušauskas" userId="S::nedas.janusauskas@mif.stud.vu.lt::df4e6aec-44e0-4c2f-a1e8-74b8f1853aa9" providerId="AD" clId="Web-{021E4F76-5779-F97B-F7CF-A37D45461E26}" dt="2022-10-05T12:00:41.320" v="132" actId="20577"/>
+          <ac:spMkLst>
+            <pc:docMk/>
+            <pc:sldMk cId="4135263232" sldId="265"/>
+            <ac:spMk id="3" creationId="{997BCA44-6CDE-25F0-FEEF-547A2E9411BC}"/>
+          </ac:spMkLst>
+        </pc:spChg>
+      </pc:sldChg>
+      <pc:sldChg chg="addSp delSp modSp add ord replId">
+        <pc:chgData name="Nedas Janušauskas" userId="S::nedas.janusauskas@mif.stud.vu.lt::df4e6aec-44e0-4c2f-a1e8-74b8f1853aa9" providerId="AD" clId="Web-{021E4F76-5779-F97B-F7CF-A37D45461E26}" dt="2022-10-05T13:09:09.518" v="630" actId="20577"/>
+        <pc:sldMkLst>
+          <pc:docMk/>
+          <pc:sldMk cId="4202983703" sldId="268"/>
+        </pc:sldMkLst>
+        <pc:spChg chg="mod">
+          <ac:chgData name="Nedas Janušauskas" userId="S::nedas.janusauskas@mif.stud.vu.lt::df4e6aec-44e0-4c2f-a1e8-74b8f1853aa9" providerId="AD" clId="Web-{021E4F76-5779-F97B-F7CF-A37D45461E26}" dt="2022-10-05T12:27:06.649" v="282" actId="20577"/>
+          <ac:spMkLst>
+            <pc:docMk/>
+            <pc:sldMk cId="4202983703" sldId="268"/>
+            <ac:spMk id="2" creationId="{CE3C95E2-4278-C2B1-692A-3019A6B010AF}"/>
+          </ac:spMkLst>
+        </pc:spChg>
+        <pc:spChg chg="add del">
+          <ac:chgData name="Nedas Janušauskas" userId="S::nedas.janusauskas@mif.stud.vu.lt::df4e6aec-44e0-4c2f-a1e8-74b8f1853aa9" providerId="AD" clId="Web-{021E4F76-5779-F97B-F7CF-A37D45461E26}" dt="2022-10-05T12:13:58.860" v="158"/>
+          <ac:spMkLst>
+            <pc:docMk/>
+            <pc:sldMk cId="4202983703" sldId="268"/>
+            <ac:spMk id="3" creationId="{A23D2DC8-ED73-47CF-A694-55DCBECF3CAA}"/>
+          </ac:spMkLst>
+        </pc:spChg>
+        <pc:spChg chg="mod">
+          <ac:chgData name="Nedas Janušauskas" userId="S::nedas.janusauskas@mif.stud.vu.lt::df4e6aec-44e0-4c2f-a1e8-74b8f1853aa9" providerId="AD" clId="Web-{021E4F76-5779-F97B-F7CF-A37D45461E26}" dt="2022-10-05T12:52:24.008" v="488" actId="20577"/>
+          <ac:spMkLst>
+            <pc:docMk/>
+            <pc:sldMk cId="4202983703" sldId="268"/>
+            <ac:spMk id="5" creationId="{2E875058-E637-4BC6-F1FC-635E6CC2B7E0}"/>
+          </ac:spMkLst>
+        </pc:spChg>
+        <pc:spChg chg="add mod">
+          <ac:chgData name="Nedas Janušauskas" userId="S::nedas.janusauskas@mif.stud.vu.lt::df4e6aec-44e0-4c2f-a1e8-74b8f1853aa9" providerId="AD" clId="Web-{021E4F76-5779-F97B-F7CF-A37D45461E26}" dt="2022-10-05T13:09:09.518" v="630" actId="20577"/>
+          <ac:spMkLst>
+            <pc:docMk/>
+            <pc:sldMk cId="4202983703" sldId="268"/>
+            <ac:spMk id="8" creationId="{45932989-475E-ECCF-8A2E-6D089894008B}"/>
+          </ac:spMkLst>
+        </pc:spChg>
+        <pc:picChg chg="add del mod ord">
+          <ac:chgData name="Nedas Janušauskas" userId="S::nedas.janusauskas@mif.stud.vu.lt::df4e6aec-44e0-4c2f-a1e8-74b8f1853aa9" providerId="AD" clId="Web-{021E4F76-5779-F97B-F7CF-A37D45461E26}" dt="2022-10-05T12:13:58.860" v="158"/>
+          <ac:picMkLst>
+            <pc:docMk/>
+            <pc:sldMk cId="4202983703" sldId="268"/>
+            <ac:picMk id="6" creationId="{F264902A-A748-D1EE-B132-12F4EE6860CE}"/>
+          </ac:picMkLst>
+        </pc:picChg>
+        <pc:picChg chg="mod">
+          <ac:chgData name="Nedas Janušauskas" userId="S::nedas.janusauskas@mif.stud.vu.lt::df4e6aec-44e0-4c2f-a1e8-74b8f1853aa9" providerId="AD" clId="Web-{021E4F76-5779-F97B-F7CF-A37D45461E26}" dt="2022-10-05T12:49:48.241" v="477" actId="1076"/>
+          <ac:picMkLst>
+            <pc:docMk/>
+            <pc:sldMk cId="4202983703" sldId="268"/>
+            <ac:picMk id="10" creationId="{FDDD88CB-25A0-8722-C3FD-FAD151AE7253}"/>
+          </ac:picMkLst>
+        </pc:picChg>
+      </pc:sldChg>
+      <pc:sldChg chg="modSp new">
+        <pc:chgData name="Nedas Janušauskas" userId="S::nedas.janusauskas@mif.stud.vu.lt::df4e6aec-44e0-4c2f-a1e8-74b8f1853aa9" providerId="AD" clId="Web-{021E4F76-5779-F97B-F7CF-A37D45461E26}" dt="2022-10-05T13:31:54.750" v="973" actId="20577"/>
+        <pc:sldMkLst>
+          <pc:docMk/>
+          <pc:sldMk cId="579362725" sldId="269"/>
+        </pc:sldMkLst>
+        <pc:spChg chg="mod">
+          <ac:chgData name="Nedas Janušauskas" userId="S::nedas.janusauskas@mif.stud.vu.lt::df4e6aec-44e0-4c2f-a1e8-74b8f1853aa9" providerId="AD" clId="Web-{021E4F76-5779-F97B-F7CF-A37D45461E26}" dt="2022-10-05T13:26:18.716" v="646" actId="20577"/>
+          <ac:spMkLst>
+            <pc:docMk/>
+            <pc:sldMk cId="579362725" sldId="269"/>
+            <ac:spMk id="2" creationId="{1C58E7F8-C905-7FA9-FE96-C2132B304F9A}"/>
+          </ac:spMkLst>
+        </pc:spChg>
+        <pc:spChg chg="mod">
+          <ac:chgData name="Nedas Janušauskas" userId="S::nedas.janusauskas@mif.stud.vu.lt::df4e6aec-44e0-4c2f-a1e8-74b8f1853aa9" providerId="AD" clId="Web-{021E4F76-5779-F97B-F7CF-A37D45461E26}" dt="2022-10-05T13:31:54.750" v="973" actId="20577"/>
+          <ac:spMkLst>
+            <pc:docMk/>
+            <pc:sldMk cId="579362725" sldId="269"/>
+            <ac:spMk id="3" creationId="{A0A7FB69-98B5-1CF9-2A7B-18414CE1785F}"/>
+          </ac:spMkLst>
+        </pc:spChg>
+      </pc:sldChg>
+      <pc:sldChg chg="modSp new">
+        <pc:chgData name="Nedas Janušauskas" userId="S::nedas.janusauskas@mif.stud.vu.lt::df4e6aec-44e0-4c2f-a1e8-74b8f1853aa9" providerId="AD" clId="Web-{021E4F76-5779-F97B-F7CF-A37D45461E26}" dt="2022-10-05T13:08:47.315" v="627" actId="20577"/>
+        <pc:sldMkLst>
+          <pc:docMk/>
+          <pc:sldMk cId="4220006091" sldId="269"/>
+        </pc:sldMkLst>
+        <pc:spChg chg="mod">
+          <ac:chgData name="Nedas Janušauskas" userId="S::nedas.janusauskas@mif.stud.vu.lt::df4e6aec-44e0-4c2f-a1e8-74b8f1853aa9" providerId="AD" clId="Web-{021E4F76-5779-F97B-F7CF-A37D45461E26}" dt="2022-10-05T13:04:00.468" v="577" actId="20577"/>
+          <ac:spMkLst>
+            <pc:docMk/>
+            <pc:sldMk cId="4220006091" sldId="269"/>
+            <ac:spMk id="2" creationId="{13EFB30D-2136-446A-D39E-69DD134AF6EC}"/>
+          </ac:spMkLst>
+        </pc:spChg>
+        <pc:spChg chg="mod">
+          <ac:chgData name="Nedas Janušauskas" userId="S::nedas.janusauskas@mif.stud.vu.lt::df4e6aec-44e0-4c2f-a1e8-74b8f1853aa9" providerId="AD" clId="Web-{021E4F76-5779-F97B-F7CF-A37D45461E26}" dt="2022-10-05T13:08:47.315" v="627" actId="20577"/>
+          <ac:spMkLst>
+            <pc:docMk/>
+            <pc:sldMk cId="4220006091" sldId="269"/>
+            <ac:spMk id="3" creationId="{12851EA2-384F-197D-841A-51C691996866}"/>
+          </ac:spMkLst>
+        </pc:spChg>
+      </pc:sldChg>
+    </pc:docChg>
+  </pc:docChgLst>
+  <pc:docChgLst>
+    <pc:chgData name="Aistė" userId="f1d0426f-91da-4a00-a9ec-23fb000caa66" providerId="ADAL" clId="{0A9D937E-D85E-45D1-99D9-59B48B76AAF4}"/>
+    <pc:docChg chg="addSld modSld">
+      <pc:chgData name="Aistė" userId="f1d0426f-91da-4a00-a9ec-23fb000caa66" providerId="ADAL" clId="{0A9D937E-D85E-45D1-99D9-59B48B76AAF4}" dt="2022-10-19T09:40:43.700" v="38" actId="20577"/>
+      <pc:docMkLst>
+        <pc:docMk/>
+      </pc:docMkLst>
+      <pc:sldChg chg="modSp mod">
+        <pc:chgData name="Aistė" userId="f1d0426f-91da-4a00-a9ec-23fb000caa66" providerId="ADAL" clId="{0A9D937E-D85E-45D1-99D9-59B48B76AAF4}" dt="2022-10-19T09:40:43.700" v="38" actId="20577"/>
+        <pc:sldMkLst>
+          <pc:docMk/>
+          <pc:sldMk cId="3689003944" sldId="262"/>
+        </pc:sldMkLst>
+        <pc:spChg chg="mod">
+          <ac:chgData name="Aistė" userId="f1d0426f-91da-4a00-a9ec-23fb000caa66" providerId="ADAL" clId="{0A9D937E-D85E-45D1-99D9-59B48B76AAF4}" dt="2022-10-19T09:40:43.700" v="38" actId="20577"/>
+          <ac:spMkLst>
+            <pc:docMk/>
+            <pc:sldMk cId="3689003944" sldId="262"/>
+            <ac:spMk id="3" creationId="{553420E8-0547-8878-B488-ED540C37B7FB}"/>
+          </ac:spMkLst>
+        </pc:spChg>
+      </pc:sldChg>
+      <pc:sldChg chg="modSp mod">
+        <pc:chgData name="Aistė" userId="f1d0426f-91da-4a00-a9ec-23fb000caa66" providerId="ADAL" clId="{0A9D937E-D85E-45D1-99D9-59B48B76AAF4}" dt="2022-10-19T09:38:41.803" v="0" actId="20577"/>
+        <pc:sldMkLst>
+          <pc:docMk/>
+          <pc:sldMk cId="579362725" sldId="269"/>
+        </pc:sldMkLst>
+        <pc:spChg chg="mod">
+          <ac:chgData name="Aistė" userId="f1d0426f-91da-4a00-a9ec-23fb000caa66" providerId="ADAL" clId="{0A9D937E-D85E-45D1-99D9-59B48B76AAF4}" dt="2022-10-19T09:38:41.803" v="0" actId="20577"/>
+          <ac:spMkLst>
+            <pc:docMk/>
+            <pc:sldMk cId="579362725" sldId="269"/>
+            <ac:spMk id="3" creationId="{A0A7FB69-98B5-1CF9-2A7B-18414CE1785F}"/>
+          </ac:spMkLst>
+        </pc:spChg>
+      </pc:sldChg>
+      <pc:sldChg chg="modSp new mod">
+        <pc:chgData name="Aistė" userId="f1d0426f-91da-4a00-a9ec-23fb000caa66" providerId="ADAL" clId="{0A9D937E-D85E-45D1-99D9-59B48B76AAF4}" dt="2022-10-19T09:39:29.602" v="28" actId="122"/>
+        <pc:sldMkLst>
+          <pc:docMk/>
+          <pc:sldMk cId="257552317" sldId="271"/>
+        </pc:sldMkLst>
+        <pc:spChg chg="mod">
+          <ac:chgData name="Aistė" userId="f1d0426f-91da-4a00-a9ec-23fb000caa66" providerId="ADAL" clId="{0A9D937E-D85E-45D1-99D9-59B48B76AAF4}" dt="2022-10-19T09:39:29.602" v="28" actId="122"/>
+          <ac:spMkLst>
+            <pc:docMk/>
+            <pc:sldMk cId="257552317" sldId="271"/>
+            <ac:spMk id="2" creationId="{DD21C9F6-8B7C-AAE3-A626-9B0167E5B7F0}"/>
+          </ac:spMkLst>
+        </pc:spChg>
+        <pc:spChg chg="mod">
+          <ac:chgData name="Aistė" userId="f1d0426f-91da-4a00-a9ec-23fb000caa66" providerId="ADAL" clId="{0A9D937E-D85E-45D1-99D9-59B48B76AAF4}" dt="2022-10-19T09:39:17.302" v="27" actId="20577"/>
+          <ac:spMkLst>
+            <pc:docMk/>
+            <pc:sldMk cId="257552317" sldId="271"/>
+            <ac:spMk id="3" creationId="{5F7EDB91-CDD1-040F-6481-77E97AC606FC}"/>
+          </ac:spMkLst>
+        </pc:spChg>
+      </pc:sldChg>
+    </pc:docChg>
+  </pc:docChgLst>
   <pc:docChgLst>
     <pc:chgData name="Aistė Grigaliūnaitė" userId="S::aiste.grigaliunaite@mif.stud.vu.lt::f1d0426f-91da-4a00-a9ec-23fb000caa66" providerId="AD" clId="Web-{80620B59-0F94-77BF-73A6-0AD08476CF5F}"/>
     <pc:docChg chg="mod addSld delSld modSld modMainMaster">
@@ -837,931 +1867,6 @@
           </pc:spChg>
         </pc:sldLayoutChg>
       </pc:sldMasterChg>
-    </pc:docChg>
-  </pc:docChgLst>
-  <pc:docChgLst>
-    <pc:chgData name="Gabrielius Drungilas" userId="S::gabrielius.drungilas@mif.stud.vu.lt::29e9e178-2dcd-4f02-aa0a-82e76bad37e0" providerId="AD" clId="Web-{7F4C9F79-4AB8-D453-8B7D-185DBD80B1D8}"/>
-    <pc:docChg chg="addSld delSld modSld sldOrd">
-      <pc:chgData name="Gabrielius Drungilas" userId="S::gabrielius.drungilas@mif.stud.vu.lt::29e9e178-2dcd-4f02-aa0a-82e76bad37e0" providerId="AD" clId="Web-{7F4C9F79-4AB8-D453-8B7D-185DBD80B1D8}" dt="2022-10-05T17:11:23.411" v="698" actId="14100"/>
-      <pc:docMkLst>
-        <pc:docMk/>
-      </pc:docMkLst>
-      <pc:sldChg chg="addSp modSp">
-        <pc:chgData name="Gabrielius Drungilas" userId="S::gabrielius.drungilas@mif.stud.vu.lt::29e9e178-2dcd-4f02-aa0a-82e76bad37e0" providerId="AD" clId="Web-{7F4C9F79-4AB8-D453-8B7D-185DBD80B1D8}" dt="2022-10-05T16:20:47.558" v="579" actId="1076"/>
-        <pc:sldMkLst>
-          <pc:docMk/>
-          <pc:sldMk cId="424736396" sldId="256"/>
-        </pc:sldMkLst>
-        <pc:spChg chg="mod">
-          <ac:chgData name="Gabrielius Drungilas" userId="S::gabrielius.drungilas@mif.stud.vu.lt::29e9e178-2dcd-4f02-aa0a-82e76bad37e0" providerId="AD" clId="Web-{7F4C9F79-4AB8-D453-8B7D-185DBD80B1D8}" dt="2022-10-05T16:20:47.558" v="579" actId="1076"/>
-          <ac:spMkLst>
-            <pc:docMk/>
-            <pc:sldMk cId="424736396" sldId="256"/>
-            <ac:spMk id="2" creationId="{00000000-0000-0000-0000-000000000000}"/>
-          </ac:spMkLst>
-        </pc:spChg>
-        <pc:spChg chg="mod">
-          <ac:chgData name="Gabrielius Drungilas" userId="S::gabrielius.drungilas@mif.stud.vu.lt::29e9e178-2dcd-4f02-aa0a-82e76bad37e0" providerId="AD" clId="Web-{7F4C9F79-4AB8-D453-8B7D-185DBD80B1D8}" dt="2022-10-05T11:35:10.505" v="49" actId="1076"/>
-          <ac:spMkLst>
-            <pc:docMk/>
-            <pc:sldMk cId="424736396" sldId="256"/>
-            <ac:spMk id="3" creationId="{00000000-0000-0000-0000-000000000000}"/>
-          </ac:spMkLst>
-        </pc:spChg>
-        <pc:spChg chg="add mod">
-          <ac:chgData name="Gabrielius Drungilas" userId="S::gabrielius.drungilas@mif.stud.vu.lt::29e9e178-2dcd-4f02-aa0a-82e76bad37e0" providerId="AD" clId="Web-{7F4C9F79-4AB8-D453-8B7D-185DBD80B1D8}" dt="2022-10-05T11:36:21.101" v="81" actId="1076"/>
-          <ac:spMkLst>
-            <pc:docMk/>
-            <pc:sldMk cId="424736396" sldId="256"/>
-            <ac:spMk id="4" creationId="{09BC6DCB-E926-8CD9-79D7-5F5922BDDF8B}"/>
-          </ac:spMkLst>
-        </pc:spChg>
-        <pc:spChg chg="add mod">
-          <ac:chgData name="Gabrielius Drungilas" userId="S::gabrielius.drungilas@mif.stud.vu.lt::29e9e178-2dcd-4f02-aa0a-82e76bad37e0" providerId="AD" clId="Web-{7F4C9F79-4AB8-D453-8B7D-185DBD80B1D8}" dt="2022-10-05T11:39:24.982" v="165" actId="20577"/>
-          <ac:spMkLst>
-            <pc:docMk/>
-            <pc:sldMk cId="424736396" sldId="256"/>
-            <ac:spMk id="5" creationId="{2C768B79-FE22-B011-C5E6-3D5C706ADD7A}"/>
-          </ac:spMkLst>
-        </pc:spChg>
-      </pc:sldChg>
-      <pc:sldChg chg="addSp delSp modSp del mod setBg">
-        <pc:chgData name="Gabrielius Drungilas" userId="S::gabrielius.drungilas@mif.stud.vu.lt::29e9e178-2dcd-4f02-aa0a-82e76bad37e0" providerId="AD" clId="Web-{7F4C9F79-4AB8-D453-8B7D-185DBD80B1D8}" dt="2022-10-05T16:18:38.726" v="566"/>
-        <pc:sldMkLst>
-          <pc:docMk/>
-          <pc:sldMk cId="2715356841" sldId="257"/>
-        </pc:sldMkLst>
-        <pc:spChg chg="del mod">
-          <ac:chgData name="Gabrielius Drungilas" userId="S::gabrielius.drungilas@mif.stud.vu.lt::29e9e178-2dcd-4f02-aa0a-82e76bad37e0" providerId="AD" clId="Web-{7F4C9F79-4AB8-D453-8B7D-185DBD80B1D8}" dt="2022-10-05T16:17:35.896" v="551"/>
-          <ac:spMkLst>
-            <pc:docMk/>
-            <pc:sldMk cId="2715356841" sldId="257"/>
-            <ac:spMk id="2" creationId="{9CB67E3E-6397-0720-116E-16EA7E4968A3}"/>
-          </ac:spMkLst>
-        </pc:spChg>
-        <pc:spChg chg="mod">
-          <ac:chgData name="Gabrielius Drungilas" userId="S::gabrielius.drungilas@mif.stud.vu.lt::29e9e178-2dcd-4f02-aa0a-82e76bad37e0" providerId="AD" clId="Web-{7F4C9F79-4AB8-D453-8B7D-185DBD80B1D8}" dt="2022-10-05T12:08:56.961" v="256" actId="20577"/>
-          <ac:spMkLst>
-            <pc:docMk/>
-            <pc:sldMk cId="2715356841" sldId="257"/>
-            <ac:spMk id="3" creationId="{D82A1AE9-F44A-A02F-EE44-C428586093D8}"/>
-          </ac:spMkLst>
-        </pc:spChg>
-        <pc:spChg chg="mod ord">
-          <ac:chgData name="Gabrielius Drungilas" userId="S::gabrielius.drungilas@mif.stud.vu.lt::29e9e178-2dcd-4f02-aa0a-82e76bad37e0" providerId="AD" clId="Web-{7F4C9F79-4AB8-D453-8B7D-185DBD80B1D8}" dt="2022-10-05T12:04:56.594" v="235"/>
-          <ac:spMkLst>
-            <pc:docMk/>
-            <pc:sldMk cId="2715356841" sldId="257"/>
-            <ac:spMk id="4" creationId="{2E85A100-AB3C-7A06-0C51-811C8769225F}"/>
-          </ac:spMkLst>
-        </pc:spChg>
-        <pc:spChg chg="mod ord">
-          <ac:chgData name="Gabrielius Drungilas" userId="S::gabrielius.drungilas@mif.stud.vu.lt::29e9e178-2dcd-4f02-aa0a-82e76bad37e0" providerId="AD" clId="Web-{7F4C9F79-4AB8-D453-8B7D-185DBD80B1D8}" dt="2022-10-05T12:04:56.594" v="235"/>
-          <ac:spMkLst>
-            <pc:docMk/>
-            <pc:sldMk cId="2715356841" sldId="257"/>
-            <ac:spMk id="5" creationId="{8452DEC5-DBB2-FF54-AEF5-93B001DFAA7B}"/>
-          </ac:spMkLst>
-        </pc:spChg>
-        <pc:spChg chg="add mod">
-          <ac:chgData name="Gabrielius Drungilas" userId="S::gabrielius.drungilas@mif.stud.vu.lt::29e9e178-2dcd-4f02-aa0a-82e76bad37e0" providerId="AD" clId="Web-{7F4C9F79-4AB8-D453-8B7D-185DBD80B1D8}" dt="2022-10-05T15:01:39.861" v="546" actId="20577"/>
-          <ac:spMkLst>
-            <pc:docMk/>
-            <pc:sldMk cId="2715356841" sldId="257"/>
-            <ac:spMk id="7" creationId="{A369199B-3BC0-76B1-D0A5-099436D75F38}"/>
-          </ac:spMkLst>
-        </pc:spChg>
-        <pc:spChg chg="add mod">
-          <ac:chgData name="Gabrielius Drungilas" userId="S::gabrielius.drungilas@mif.stud.vu.lt::29e9e178-2dcd-4f02-aa0a-82e76bad37e0" providerId="AD" clId="Web-{7F4C9F79-4AB8-D453-8B7D-185DBD80B1D8}" dt="2022-10-05T15:01:46.987" v="549" actId="20577"/>
-          <ac:spMkLst>
-            <pc:docMk/>
-            <pc:sldMk cId="2715356841" sldId="257"/>
-            <ac:spMk id="8" creationId="{8CB1AAD4-7F68-52CD-6D3C-BF78BD8AFDAB}"/>
-          </ac:spMkLst>
-        </pc:spChg>
-        <pc:spChg chg="add mod">
-          <ac:chgData name="Gabrielius Drungilas" userId="S::gabrielius.drungilas@mif.stud.vu.lt::29e9e178-2dcd-4f02-aa0a-82e76bad37e0" providerId="AD" clId="Web-{7F4C9F79-4AB8-D453-8B7D-185DBD80B1D8}" dt="2022-10-05T16:18:05.006" v="558" actId="20577"/>
-          <ac:spMkLst>
-            <pc:docMk/>
-            <pc:sldMk cId="2715356841" sldId="257"/>
-            <ac:spMk id="9" creationId="{F8782541-4F0E-A425-E645-D387118AE108}"/>
-          </ac:spMkLst>
-        </pc:spChg>
-        <pc:spChg chg="add">
-          <ac:chgData name="Gabrielius Drungilas" userId="S::gabrielius.drungilas@mif.stud.vu.lt::29e9e178-2dcd-4f02-aa0a-82e76bad37e0" providerId="AD" clId="Web-{7F4C9F79-4AB8-D453-8B7D-185DBD80B1D8}" dt="2022-10-05T12:04:56.594" v="235"/>
-          <ac:spMkLst>
-            <pc:docMk/>
-            <pc:sldMk cId="2715356841" sldId="257"/>
-            <ac:spMk id="11" creationId="{45D37F4E-DDB4-456B-97E0-9937730A039F}"/>
-          </ac:spMkLst>
-        </pc:spChg>
-        <pc:spChg chg="add del mod">
-          <ac:chgData name="Gabrielius Drungilas" userId="S::gabrielius.drungilas@mif.stud.vu.lt::29e9e178-2dcd-4f02-aa0a-82e76bad37e0" providerId="AD" clId="Web-{7F4C9F79-4AB8-D453-8B7D-185DBD80B1D8}" dt="2022-10-05T16:18:06.772" v="559"/>
-          <ac:spMkLst>
-            <pc:docMk/>
-            <pc:sldMk cId="2715356841" sldId="257"/>
-            <ac:spMk id="12" creationId="{EE13B7E0-D524-3137-6C11-32F7B9D0C2B2}"/>
-          </ac:spMkLst>
-        </pc:spChg>
-        <pc:spChg chg="add">
-          <ac:chgData name="Gabrielius Drungilas" userId="S::gabrielius.drungilas@mif.stud.vu.lt::29e9e178-2dcd-4f02-aa0a-82e76bad37e0" providerId="AD" clId="Web-{7F4C9F79-4AB8-D453-8B7D-185DBD80B1D8}" dt="2022-10-05T12:04:56.594" v="235"/>
-          <ac:spMkLst>
-            <pc:docMk/>
-            <pc:sldMk cId="2715356841" sldId="257"/>
-            <ac:spMk id="13" creationId="{B2DD41CD-8F47-4F56-AD12-4E2FF7696987}"/>
-          </ac:spMkLst>
-        </pc:spChg>
-        <pc:spChg chg="add mod">
-          <ac:chgData name="Gabrielius Drungilas" userId="S::gabrielius.drungilas@mif.stud.vu.lt::29e9e178-2dcd-4f02-aa0a-82e76bad37e0" providerId="AD" clId="Web-{7F4C9F79-4AB8-D453-8B7D-185DBD80B1D8}" dt="2022-10-05T16:18:06.772" v="559"/>
-          <ac:spMkLst>
-            <pc:docMk/>
-            <pc:sldMk cId="2715356841" sldId="257"/>
-            <ac:spMk id="15" creationId="{6CD92DBF-EE3C-E74C-22AF-40364CF9D68F}"/>
-          </ac:spMkLst>
-        </pc:spChg>
-        <pc:picChg chg="add del mod">
-          <ac:chgData name="Gabrielius Drungilas" userId="S::gabrielius.drungilas@mif.stud.vu.lt::29e9e178-2dcd-4f02-aa0a-82e76bad37e0" providerId="AD" clId="Web-{7F4C9F79-4AB8-D453-8B7D-185DBD80B1D8}" dt="2022-10-05T12:25:18.633" v="477"/>
-          <ac:picMkLst>
-            <pc:docMk/>
-            <pc:sldMk cId="2715356841" sldId="257"/>
-            <ac:picMk id="6" creationId="{60F448AF-DB7D-8029-912B-20FF92D11EAE}"/>
-          </ac:picMkLst>
-        </pc:picChg>
-        <pc:picChg chg="add del mod">
-          <ac:chgData name="Gabrielius Drungilas" userId="S::gabrielius.drungilas@mif.stud.vu.lt::29e9e178-2dcd-4f02-aa0a-82e76bad37e0" providerId="AD" clId="Web-{7F4C9F79-4AB8-D453-8B7D-185DBD80B1D8}" dt="2022-10-05T12:38:11.237" v="544"/>
-          <ac:picMkLst>
-            <pc:docMk/>
-            <pc:sldMk cId="2715356841" sldId="257"/>
-            <ac:picMk id="9" creationId="{9E519F03-2466-D350-45FA-F9E16172075E}"/>
-          </ac:picMkLst>
-        </pc:picChg>
-      </pc:sldChg>
-      <pc:sldChg chg="modSp">
-        <pc:chgData name="Gabrielius Drungilas" userId="S::gabrielius.drungilas@mif.stud.vu.lt::29e9e178-2dcd-4f02-aa0a-82e76bad37e0" providerId="AD" clId="Web-{7F4C9F79-4AB8-D453-8B7D-185DBD80B1D8}" dt="2022-10-05T17:11:23.411" v="698" actId="14100"/>
-        <pc:sldMkLst>
-          <pc:docMk/>
-          <pc:sldMk cId="1436947609" sldId="260"/>
-        </pc:sldMkLst>
-        <pc:spChg chg="mod">
-          <ac:chgData name="Gabrielius Drungilas" userId="S::gabrielius.drungilas@mif.stud.vu.lt::29e9e178-2dcd-4f02-aa0a-82e76bad37e0" providerId="AD" clId="Web-{7F4C9F79-4AB8-D453-8B7D-185DBD80B1D8}" dt="2022-10-05T17:11:23.411" v="698" actId="14100"/>
-          <ac:spMkLst>
-            <pc:docMk/>
-            <pc:sldMk cId="1436947609" sldId="260"/>
-            <ac:spMk id="2" creationId="{CE3C95E2-4278-C2B1-692A-3019A6B010AF}"/>
-          </ac:spMkLst>
-        </pc:spChg>
-      </pc:sldChg>
-      <pc:sldChg chg="modSp">
-        <pc:chgData name="Gabrielius Drungilas" userId="S::gabrielius.drungilas@mif.stud.vu.lt::29e9e178-2dcd-4f02-aa0a-82e76bad37e0" providerId="AD" clId="Web-{7F4C9F79-4AB8-D453-8B7D-185DBD80B1D8}" dt="2022-10-05T12:30:04.924" v="541" actId="20577"/>
-        <pc:sldMkLst>
-          <pc:docMk/>
-          <pc:sldMk cId="1703583134" sldId="261"/>
-        </pc:sldMkLst>
-        <pc:spChg chg="mod">
-          <ac:chgData name="Gabrielius Drungilas" userId="S::gabrielius.drungilas@mif.stud.vu.lt::29e9e178-2dcd-4f02-aa0a-82e76bad37e0" providerId="AD" clId="Web-{7F4C9F79-4AB8-D453-8B7D-185DBD80B1D8}" dt="2022-10-05T12:30:04.924" v="541" actId="20577"/>
-          <ac:spMkLst>
-            <pc:docMk/>
-            <pc:sldMk cId="1703583134" sldId="261"/>
-            <ac:spMk id="3" creationId="{781B2D45-2C7F-B7FE-3E09-06D276C2CCB5}"/>
-          </ac:spMkLst>
-        </pc:spChg>
-      </pc:sldChg>
-      <pc:sldChg chg="ord">
-        <pc:chgData name="Gabrielius Drungilas" userId="S::gabrielius.drungilas@mif.stud.vu.lt::29e9e178-2dcd-4f02-aa0a-82e76bad37e0" providerId="AD" clId="Web-{7F4C9F79-4AB8-D453-8B7D-185DBD80B1D8}" dt="2022-10-05T11:46:06.229" v="167"/>
-        <pc:sldMkLst>
-          <pc:docMk/>
-          <pc:sldMk cId="1497166392" sldId="264"/>
-        </pc:sldMkLst>
-      </pc:sldChg>
-      <pc:sldChg chg="modSp">
-        <pc:chgData name="Gabrielius Drungilas" userId="S::gabrielius.drungilas@mif.stud.vu.lt::29e9e178-2dcd-4f02-aa0a-82e76bad37e0" providerId="AD" clId="Web-{7F4C9F79-4AB8-D453-8B7D-185DBD80B1D8}" dt="2022-10-05T16:27:34.366" v="591" actId="20577"/>
-        <pc:sldMkLst>
-          <pc:docMk/>
-          <pc:sldMk cId="4135263232" sldId="265"/>
-        </pc:sldMkLst>
-        <pc:spChg chg="mod">
-          <ac:chgData name="Gabrielius Drungilas" userId="S::gabrielius.drungilas@mif.stud.vu.lt::29e9e178-2dcd-4f02-aa0a-82e76bad37e0" providerId="AD" clId="Web-{7F4C9F79-4AB8-D453-8B7D-185DBD80B1D8}" dt="2022-10-05T16:27:34.366" v="591" actId="20577"/>
-          <ac:spMkLst>
-            <pc:docMk/>
-            <pc:sldMk cId="4135263232" sldId="265"/>
-            <ac:spMk id="3" creationId="{997BCA44-6CDE-25F0-FEEF-547A2E9411BC}"/>
-          </ac:spMkLst>
-        </pc:spChg>
-      </pc:sldChg>
-      <pc:sldChg chg="modSp new del">
-        <pc:chgData name="Gabrielius Drungilas" userId="S::gabrielius.drungilas@mif.stud.vu.lt::29e9e178-2dcd-4f02-aa0a-82e76bad37e0" providerId="AD" clId="Web-{7F4C9F79-4AB8-D453-8B7D-185DBD80B1D8}" dt="2022-10-05T12:10:04.416" v="284"/>
-        <pc:sldMkLst>
-          <pc:docMk/>
-          <pc:sldMk cId="2792844820" sldId="266"/>
-        </pc:sldMkLst>
-        <pc:spChg chg="mod">
-          <ac:chgData name="Gabrielius Drungilas" userId="S::gabrielius.drungilas@mif.stud.vu.lt::29e9e178-2dcd-4f02-aa0a-82e76bad37e0" providerId="AD" clId="Web-{7F4C9F79-4AB8-D453-8B7D-185DBD80B1D8}" dt="2022-10-05T12:00:11.022" v="202" actId="20577"/>
-          <ac:spMkLst>
-            <pc:docMk/>
-            <pc:sldMk cId="2792844820" sldId="266"/>
-            <ac:spMk id="2" creationId="{B447B8AB-610C-A379-F20B-E95CE9082212}"/>
-          </ac:spMkLst>
-        </pc:spChg>
-      </pc:sldChg>
-      <pc:sldChg chg="modSp new ord">
-        <pc:chgData name="Gabrielius Drungilas" userId="S::gabrielius.drungilas@mif.stud.vu.lt::29e9e178-2dcd-4f02-aa0a-82e76bad37e0" providerId="AD" clId="Web-{7F4C9F79-4AB8-D453-8B7D-185DBD80B1D8}" dt="2022-10-05T17:09:44.889" v="694" actId="20577"/>
-        <pc:sldMkLst>
-          <pc:docMk/>
-          <pc:sldMk cId="1307884699" sldId="270"/>
-        </pc:sldMkLst>
-        <pc:spChg chg="mod">
-          <ac:chgData name="Gabrielius Drungilas" userId="S::gabrielius.drungilas@mif.stud.vu.lt::29e9e178-2dcd-4f02-aa0a-82e76bad37e0" providerId="AD" clId="Web-{7F4C9F79-4AB8-D453-8B7D-185DBD80B1D8}" dt="2022-10-05T16:18:25.038" v="563" actId="20577"/>
-          <ac:spMkLst>
-            <pc:docMk/>
-            <pc:sldMk cId="1307884699" sldId="270"/>
-            <ac:spMk id="2" creationId="{3D5D8E68-BF8E-D4F5-04DB-F60E8839D02D}"/>
-          </ac:spMkLst>
-        </pc:spChg>
-        <pc:spChg chg="mod">
-          <ac:chgData name="Gabrielius Drungilas" userId="S::gabrielius.drungilas@mif.stud.vu.lt::29e9e178-2dcd-4f02-aa0a-82e76bad37e0" providerId="AD" clId="Web-{7F4C9F79-4AB8-D453-8B7D-185DBD80B1D8}" dt="2022-10-05T17:09:44.889" v="694" actId="20577"/>
-          <ac:spMkLst>
-            <pc:docMk/>
-            <pc:sldMk cId="1307884699" sldId="270"/>
-            <ac:spMk id="3" creationId="{67D45070-5C77-E0BA-A375-D97F44D13A49}"/>
-          </ac:spMkLst>
-        </pc:spChg>
-      </pc:sldChg>
-    </pc:docChg>
-  </pc:docChgLst>
-  <pc:docChgLst>
-    <pc:chgData name="Nedas Janušauskas" userId="S::nedas.janusauskas@mif.stud.vu.lt::df4e6aec-44e0-4c2f-a1e8-74b8f1853aa9" providerId="AD" clId="Web-{021E4F76-5779-F97B-F7CF-A37D45461E26}"/>
-    <pc:docChg chg="addSld delSld modSld sldOrd">
-      <pc:chgData name="Nedas Janušauskas" userId="S::nedas.janusauskas@mif.stud.vu.lt::df4e6aec-44e0-4c2f-a1e8-74b8f1853aa9" providerId="AD" clId="Web-{021E4F76-5779-F97B-F7CF-A37D45461E26}" dt="2022-10-05T13:31:54.750" v="973" actId="20577"/>
-      <pc:docMkLst>
-        <pc:docMk/>
-      </pc:docMkLst>
-      <pc:sldChg chg="modSp">
-        <pc:chgData name="Nedas Janušauskas" userId="S::nedas.janusauskas@mif.stud.vu.lt::df4e6aec-44e0-4c2f-a1e8-74b8f1853aa9" providerId="AD" clId="Web-{021E4F76-5779-F97B-F7CF-A37D45461E26}" dt="2022-10-05T12:27:58.087" v="291" actId="20577"/>
-        <pc:sldMkLst>
-          <pc:docMk/>
-          <pc:sldMk cId="424736396" sldId="256"/>
-        </pc:sldMkLst>
-        <pc:spChg chg="mod">
-          <ac:chgData name="Nedas Janušauskas" userId="S::nedas.janusauskas@mif.stud.vu.lt::df4e6aec-44e0-4c2f-a1e8-74b8f1853aa9" providerId="AD" clId="Web-{021E4F76-5779-F97B-F7CF-A37D45461E26}" dt="2022-10-05T12:27:58.087" v="291" actId="20577"/>
-          <ac:spMkLst>
-            <pc:docMk/>
-            <pc:sldMk cId="424736396" sldId="256"/>
-            <ac:spMk id="4" creationId="{09BC6DCB-E926-8CD9-79D7-5F5922BDDF8B}"/>
-          </ac:spMkLst>
-        </pc:spChg>
-        <pc:spChg chg="mod">
-          <ac:chgData name="Nedas Janušauskas" userId="S::nedas.janusauskas@mif.stud.vu.lt::df4e6aec-44e0-4c2f-a1e8-74b8f1853aa9" providerId="AD" clId="Web-{021E4F76-5779-F97B-F7CF-A37D45461E26}" dt="2022-10-05T11:40:30.605" v="55" actId="20577"/>
-          <ac:spMkLst>
-            <pc:docMk/>
-            <pc:sldMk cId="424736396" sldId="256"/>
-            <ac:spMk id="5" creationId="{2C768B79-FE22-B011-C5E6-3D5C706ADD7A}"/>
-          </ac:spMkLst>
-        </pc:spChg>
-        <pc:spChg chg="mod">
-          <ac:chgData name="Nedas Janušauskas" userId="S::nedas.janusauskas@mif.stud.vu.lt::df4e6aec-44e0-4c2f-a1e8-74b8f1853aa9" providerId="AD" clId="Web-{021E4F76-5779-F97B-F7CF-A37D45461E26}" dt="2022-10-05T11:41:50.919" v="77" actId="20577"/>
-          <ac:spMkLst>
-            <pc:docMk/>
-            <pc:sldMk cId="424736396" sldId="256"/>
-            <ac:spMk id="7" creationId="{14CC70F3-2958-0DC8-21F7-3A217A05CF59}"/>
-          </ac:spMkLst>
-        </pc:spChg>
-      </pc:sldChg>
-      <pc:sldChg chg="modSp">
-        <pc:chgData name="Nedas Janušauskas" userId="S::nedas.janusauskas@mif.stud.vu.lt::df4e6aec-44e0-4c2f-a1e8-74b8f1853aa9" providerId="AD" clId="Web-{021E4F76-5779-F97B-F7CF-A37D45461E26}" dt="2022-10-05T12:27:40.649" v="288" actId="20577"/>
-        <pc:sldMkLst>
-          <pc:docMk/>
-          <pc:sldMk cId="2715356841" sldId="257"/>
-        </pc:sldMkLst>
-        <pc:spChg chg="mod">
-          <ac:chgData name="Nedas Janušauskas" userId="S::nedas.janusauskas@mif.stud.vu.lt::df4e6aec-44e0-4c2f-a1e8-74b8f1853aa9" providerId="AD" clId="Web-{021E4F76-5779-F97B-F7CF-A37D45461E26}" dt="2022-10-05T12:27:40.649" v="288" actId="20577"/>
-          <ac:spMkLst>
-            <pc:docMk/>
-            <pc:sldMk cId="2715356841" sldId="257"/>
-            <ac:spMk id="2" creationId="{9CB67E3E-6397-0720-116E-16EA7E4968A3}"/>
-          </ac:spMkLst>
-        </pc:spChg>
-        <pc:spChg chg="mod">
-          <ac:chgData name="Nedas Janušauskas" userId="S::nedas.janusauskas@mif.stud.vu.lt::df4e6aec-44e0-4c2f-a1e8-74b8f1853aa9" providerId="AD" clId="Web-{021E4F76-5779-F97B-F7CF-A37D45461E26}" dt="2022-10-05T11:52:26.941" v="94" actId="20577"/>
-          <ac:spMkLst>
-            <pc:docMk/>
-            <pc:sldMk cId="2715356841" sldId="257"/>
-            <ac:spMk id="3" creationId="{D82A1AE9-F44A-A02F-EE44-C428586093D8}"/>
-          </ac:spMkLst>
-        </pc:spChg>
-        <pc:spChg chg="mod">
-          <ac:chgData name="Nedas Janušauskas" userId="S::nedas.janusauskas@mif.stud.vu.lt::df4e6aec-44e0-4c2f-a1e8-74b8f1853aa9" providerId="AD" clId="Web-{021E4F76-5779-F97B-F7CF-A37D45461E26}" dt="2022-10-05T12:26:13.555" v="278" actId="20577"/>
-          <ac:spMkLst>
-            <pc:docMk/>
-            <pc:sldMk cId="2715356841" sldId="257"/>
-            <ac:spMk id="8" creationId="{8CB1AAD4-7F68-52CD-6D3C-BF78BD8AFDAB}"/>
-          </ac:spMkLst>
-        </pc:spChg>
-      </pc:sldChg>
-      <pc:sldChg chg="modSp new">
-        <pc:chgData name="Nedas Janušauskas" userId="S::nedas.janusauskas@mif.stud.vu.lt::df4e6aec-44e0-4c2f-a1e8-74b8f1853aa9" providerId="AD" clId="Web-{021E4F76-5779-F97B-F7CF-A37D45461E26}" dt="2022-10-05T12:27:30.946" v="286" actId="20577"/>
-        <pc:sldMkLst>
-          <pc:docMk/>
-          <pc:sldMk cId="2663784176" sldId="258"/>
-        </pc:sldMkLst>
-        <pc:spChg chg="mod">
-          <ac:chgData name="Nedas Janušauskas" userId="S::nedas.janusauskas@mif.stud.vu.lt::df4e6aec-44e0-4c2f-a1e8-74b8f1853aa9" providerId="AD" clId="Web-{021E4F76-5779-F97B-F7CF-A37D45461E26}" dt="2022-10-05T12:27:30.946" v="286" actId="20577"/>
-          <ac:spMkLst>
-            <pc:docMk/>
-            <pc:sldMk cId="2663784176" sldId="258"/>
-            <ac:spMk id="2" creationId="{1ADB367F-F23C-8AF5-153F-6956E157A3EB}"/>
-          </ac:spMkLst>
-        </pc:spChg>
-      </pc:sldChg>
-      <pc:sldChg chg="modSp new">
-        <pc:chgData name="Nedas Janušauskas" userId="S::nedas.janusauskas@mif.stud.vu.lt::df4e6aec-44e0-4c2f-a1e8-74b8f1853aa9" providerId="AD" clId="Web-{021E4F76-5779-F97B-F7CF-A37D45461E26}" dt="2022-10-05T12:27:21.899" v="284" actId="20577"/>
-        <pc:sldMkLst>
-          <pc:docMk/>
-          <pc:sldMk cId="1958378916" sldId="259"/>
-        </pc:sldMkLst>
-        <pc:spChg chg="mod">
-          <ac:chgData name="Nedas Janušauskas" userId="S::nedas.janusauskas@mif.stud.vu.lt::df4e6aec-44e0-4c2f-a1e8-74b8f1853aa9" providerId="AD" clId="Web-{021E4F76-5779-F97B-F7CF-A37D45461E26}" dt="2022-10-05T12:27:21.899" v="284" actId="20577"/>
-          <ac:spMkLst>
-            <pc:docMk/>
-            <pc:sldMk cId="1958378916" sldId="259"/>
-            <ac:spMk id="2" creationId="{B6B33ABB-36AD-7879-2422-F97E09B08B76}"/>
-          </ac:spMkLst>
-        </pc:spChg>
-      </pc:sldChg>
-      <pc:sldChg chg="addSp delSp modSp new">
-        <pc:chgData name="Nedas Janušauskas" userId="S::nedas.janusauskas@mif.stud.vu.lt::df4e6aec-44e0-4c2f-a1e8-74b8f1853aa9" providerId="AD" clId="Web-{021E4F76-5779-F97B-F7CF-A37D45461E26}" dt="2022-10-05T12:59:53.028" v="525" actId="20577"/>
-        <pc:sldMkLst>
-          <pc:docMk/>
-          <pc:sldMk cId="1436947609" sldId="260"/>
-        </pc:sldMkLst>
-        <pc:spChg chg="mod">
-          <ac:chgData name="Nedas Janušauskas" userId="S::nedas.janusauskas@mif.stud.vu.lt::df4e6aec-44e0-4c2f-a1e8-74b8f1853aa9" providerId="AD" clId="Web-{021E4F76-5779-F97B-F7CF-A37D45461E26}" dt="2022-10-05T12:27:02.508" v="281" actId="20577"/>
-          <ac:spMkLst>
-            <pc:docMk/>
-            <pc:sldMk cId="1436947609" sldId="260"/>
-            <ac:spMk id="2" creationId="{CE3C95E2-4278-C2B1-692A-3019A6B010AF}"/>
-          </ac:spMkLst>
-        </pc:spChg>
-        <pc:spChg chg="mod">
-          <ac:chgData name="Nedas Janušauskas" userId="S::nedas.janusauskas@mif.stud.vu.lt::df4e6aec-44e0-4c2f-a1e8-74b8f1853aa9" providerId="AD" clId="Web-{021E4F76-5779-F97B-F7CF-A37D45461E26}" dt="2022-10-05T12:09:04.497" v="135" actId="1076"/>
-          <ac:spMkLst>
-            <pc:docMk/>
-            <pc:sldMk cId="1436947609" sldId="260"/>
-            <ac:spMk id="3" creationId="{A23D2DC8-ED73-47CF-A694-55DCBECF3CAA}"/>
-          </ac:spMkLst>
-        </pc:spChg>
-        <pc:spChg chg="mod">
-          <ac:chgData name="Nedas Janušauskas" userId="S::nedas.janusauskas@mif.stud.vu.lt::df4e6aec-44e0-4c2f-a1e8-74b8f1853aa9" providerId="AD" clId="Web-{021E4F76-5779-F97B-F7CF-A37D45461E26}" dt="2022-10-05T12:52:29.008" v="492" actId="20577"/>
-          <ac:spMkLst>
-            <pc:docMk/>
-            <pc:sldMk cId="1436947609" sldId="260"/>
-            <ac:spMk id="5" creationId="{2E875058-E637-4BC6-F1FC-635E6CC2B7E0}"/>
-          </ac:spMkLst>
-        </pc:spChg>
-        <pc:spChg chg="add del mod">
-          <ac:chgData name="Nedas Janušauskas" userId="S::nedas.janusauskas@mif.stud.vu.lt::df4e6aec-44e0-4c2f-a1e8-74b8f1853aa9" providerId="AD" clId="Web-{021E4F76-5779-F97B-F7CF-A37D45461E26}" dt="2022-10-05T12:09:16.826" v="138"/>
-          <ac:spMkLst>
-            <pc:docMk/>
-            <pc:sldMk cId="1436947609" sldId="260"/>
-            <ac:spMk id="6" creationId="{2B1B37F7-D2A6-D40A-E55C-EBF5E53C93D0}"/>
-          </ac:spMkLst>
-        </pc:spChg>
-        <pc:spChg chg="mod">
-          <ac:chgData name="Nedas Janušauskas" userId="S::nedas.janusauskas@mif.stud.vu.lt::df4e6aec-44e0-4c2f-a1e8-74b8f1853aa9" providerId="AD" clId="Web-{021E4F76-5779-F97B-F7CF-A37D45461E26}" dt="2022-10-05T12:59:53.028" v="525" actId="20577"/>
-          <ac:spMkLst>
-            <pc:docMk/>
-            <pc:sldMk cId="1436947609" sldId="260"/>
-            <ac:spMk id="10" creationId="{B07E5620-40FB-1127-86E3-481EC1995CCA}"/>
-          </ac:spMkLst>
-        </pc:spChg>
-      </pc:sldChg>
-      <pc:sldChg chg="modSp new">
-        <pc:chgData name="Nedas Janušauskas" userId="S::nedas.janusauskas@mif.stud.vu.lt::df4e6aec-44e0-4c2f-a1e8-74b8f1853aa9" providerId="AD" clId="Web-{021E4F76-5779-F97B-F7CF-A37D45461E26}" dt="2022-10-05T12:37:10.592" v="379" actId="20577"/>
-        <pc:sldMkLst>
-          <pc:docMk/>
-          <pc:sldMk cId="1703583134" sldId="261"/>
-        </pc:sldMkLst>
-        <pc:spChg chg="mod">
-          <ac:chgData name="Nedas Janušauskas" userId="S::nedas.janusauskas@mif.stud.vu.lt::df4e6aec-44e0-4c2f-a1e8-74b8f1853aa9" providerId="AD" clId="Web-{021E4F76-5779-F97B-F7CF-A37D45461E26}" dt="2022-10-05T12:28:22.306" v="293" actId="20577"/>
-          <ac:spMkLst>
-            <pc:docMk/>
-            <pc:sldMk cId="1703583134" sldId="261"/>
-            <ac:spMk id="2" creationId="{FC6BAF85-E296-2C1F-0DB5-C59C8B771EA2}"/>
-          </ac:spMkLst>
-        </pc:spChg>
-        <pc:spChg chg="mod">
-          <ac:chgData name="Nedas Janušauskas" userId="S::nedas.janusauskas@mif.stud.vu.lt::df4e6aec-44e0-4c2f-a1e8-74b8f1853aa9" providerId="AD" clId="Web-{021E4F76-5779-F97B-F7CF-A37D45461E26}" dt="2022-10-05T12:37:10.592" v="379" actId="20577"/>
-          <ac:spMkLst>
-            <pc:docMk/>
-            <pc:sldMk cId="1703583134" sldId="261"/>
-            <ac:spMk id="3" creationId="{781B2D45-2C7F-B7FE-3E09-06D276C2CCB5}"/>
-          </ac:spMkLst>
-        </pc:spChg>
-      </pc:sldChg>
-      <pc:sldChg chg="addSp delSp modSp new">
-        <pc:chgData name="Nedas Janušauskas" userId="S::nedas.janusauskas@mif.stud.vu.lt::df4e6aec-44e0-4c2f-a1e8-74b8f1853aa9" providerId="AD" clId="Web-{021E4F76-5779-F97B-F7CF-A37D45461E26}" dt="2022-10-05T13:01:11.904" v="566" actId="20577"/>
-        <pc:sldMkLst>
-          <pc:docMk/>
-          <pc:sldMk cId="3689003944" sldId="262"/>
-        </pc:sldMkLst>
-        <pc:spChg chg="mod">
-          <ac:chgData name="Nedas Janušauskas" userId="S::nedas.janusauskas@mif.stud.vu.lt::df4e6aec-44e0-4c2f-a1e8-74b8f1853aa9" providerId="AD" clId="Web-{021E4F76-5779-F97B-F7CF-A37D45461E26}" dt="2022-10-05T12:28:30.447" v="295" actId="20577"/>
-          <ac:spMkLst>
-            <pc:docMk/>
-            <pc:sldMk cId="3689003944" sldId="262"/>
-            <ac:spMk id="2" creationId="{C34358B8-652E-E34A-0FFB-5AC5FFDF64AF}"/>
-          </ac:spMkLst>
-        </pc:spChg>
-        <pc:spChg chg="add del mod">
-          <ac:chgData name="Nedas Janušauskas" userId="S::nedas.janusauskas@mif.stud.vu.lt::df4e6aec-44e0-4c2f-a1e8-74b8f1853aa9" providerId="AD" clId="Web-{021E4F76-5779-F97B-F7CF-A37D45461E26}" dt="2022-10-05T13:01:11.904" v="566" actId="20577"/>
-          <ac:spMkLst>
-            <pc:docMk/>
-            <pc:sldMk cId="3689003944" sldId="262"/>
-            <ac:spMk id="3" creationId="{553420E8-0547-8878-B488-ED540C37B7FB}"/>
-          </ac:spMkLst>
-        </pc:spChg>
-      </pc:sldChg>
-      <pc:sldChg chg="delSp modSp new">
-        <pc:chgData name="Nedas Janušauskas" userId="S::nedas.janusauskas@mif.stud.vu.lt::df4e6aec-44e0-4c2f-a1e8-74b8f1853aa9" providerId="AD" clId="Web-{021E4F76-5779-F97B-F7CF-A37D45461E26}" dt="2022-10-05T12:53:13.118" v="496" actId="20577"/>
-        <pc:sldMkLst>
-          <pc:docMk/>
-          <pc:sldMk cId="2474636435" sldId="263"/>
-        </pc:sldMkLst>
-        <pc:spChg chg="mod">
-          <ac:chgData name="Nedas Janušauskas" userId="S::nedas.janusauskas@mif.stud.vu.lt::df4e6aec-44e0-4c2f-a1e8-74b8f1853aa9" providerId="AD" clId="Web-{021E4F76-5779-F97B-F7CF-A37D45461E26}" dt="2022-10-05T12:28:40.994" v="296" actId="20577"/>
-          <ac:spMkLst>
-            <pc:docMk/>
-            <pc:sldMk cId="2474636435" sldId="263"/>
-            <ac:spMk id="2" creationId="{BF18973F-FF06-DB10-8789-8E4C28D7A658}"/>
-          </ac:spMkLst>
-        </pc:spChg>
-        <pc:spChg chg="del">
-          <ac:chgData name="Nedas Janušauskas" userId="S::nedas.janusauskas@mif.stud.vu.lt::df4e6aec-44e0-4c2f-a1e8-74b8f1853aa9" providerId="AD" clId="Web-{021E4F76-5779-F97B-F7CF-A37D45461E26}" dt="2022-10-05T11:37:13.478" v="6"/>
-          <ac:spMkLst>
-            <pc:docMk/>
-            <pc:sldMk cId="2474636435" sldId="263"/>
-            <ac:spMk id="3" creationId="{A7BEF5A2-C191-4FE0-215F-0252E381C065}"/>
-          </ac:spMkLst>
-        </pc:spChg>
-        <pc:spChg chg="mod">
-          <ac:chgData name="Nedas Janušauskas" userId="S::nedas.janusauskas@mif.stud.vu.lt::df4e6aec-44e0-4c2f-a1e8-74b8f1853aa9" providerId="AD" clId="Web-{021E4F76-5779-F97B-F7CF-A37D45461E26}" dt="2022-10-05T12:53:13.118" v="496" actId="20577"/>
-          <ac:spMkLst>
-            <pc:docMk/>
-            <pc:sldMk cId="2474636435" sldId="263"/>
-            <ac:spMk id="5" creationId="{DE7C9CC4-B7BA-9C00-2E6B-737C6D93F438}"/>
-          </ac:spMkLst>
-        </pc:spChg>
-      </pc:sldChg>
-      <pc:sldChg chg="delSp modSp new">
-        <pc:chgData name="Nedas Janušauskas" userId="S::nedas.janusauskas@mif.stud.vu.lt::df4e6aec-44e0-4c2f-a1e8-74b8f1853aa9" providerId="AD" clId="Web-{021E4F76-5779-F97B-F7CF-A37D45461E26}" dt="2022-10-05T12:53:19.399" v="500" actId="20577"/>
-        <pc:sldMkLst>
-          <pc:docMk/>
-          <pc:sldMk cId="1497166392" sldId="264"/>
-        </pc:sldMkLst>
-        <pc:spChg chg="mod">
-          <ac:chgData name="Nedas Janušauskas" userId="S::nedas.janusauskas@mif.stud.vu.lt::df4e6aec-44e0-4c2f-a1e8-74b8f1853aa9" providerId="AD" clId="Web-{021E4F76-5779-F97B-F7CF-A37D45461E26}" dt="2022-10-05T12:28:46.447" v="297" actId="20577"/>
-          <ac:spMkLst>
-            <pc:docMk/>
-            <pc:sldMk cId="1497166392" sldId="264"/>
-            <ac:spMk id="2" creationId="{77FF5E75-C031-6CDD-DF57-B7D2E31D4FCD}"/>
-          </ac:spMkLst>
-        </pc:spChg>
-        <pc:spChg chg="del mod">
-          <ac:chgData name="Nedas Janušauskas" userId="S::nedas.janusauskas@mif.stud.vu.lt::df4e6aec-44e0-4c2f-a1e8-74b8f1853aa9" providerId="AD" clId="Web-{021E4F76-5779-F97B-F7CF-A37D45461E26}" dt="2022-10-05T11:41:05.699" v="72"/>
-          <ac:spMkLst>
-            <pc:docMk/>
-            <pc:sldMk cId="1497166392" sldId="264"/>
-            <ac:spMk id="3" creationId="{C634AD89-ED55-9053-871B-21C079D101EC}"/>
-          </ac:spMkLst>
-        </pc:spChg>
-        <pc:spChg chg="mod">
-          <ac:chgData name="Nedas Janušauskas" userId="S::nedas.janusauskas@mif.stud.vu.lt::df4e6aec-44e0-4c2f-a1e8-74b8f1853aa9" providerId="AD" clId="Web-{021E4F76-5779-F97B-F7CF-A37D45461E26}" dt="2022-10-05T12:53:19.399" v="500" actId="20577"/>
-          <ac:spMkLst>
-            <pc:docMk/>
-            <pc:sldMk cId="1497166392" sldId="264"/>
-            <ac:spMk id="5" creationId="{EC3671FE-02B3-BB63-B9E8-4D3E0B7DC22F}"/>
-          </ac:spMkLst>
-        </pc:spChg>
-      </pc:sldChg>
-      <pc:sldChg chg="new del">
-        <pc:chgData name="Nedas Janušauskas" userId="S::nedas.janusauskas@mif.stud.vu.lt::df4e6aec-44e0-4c2f-a1e8-74b8f1853aa9" providerId="AD" clId="Web-{021E4F76-5779-F97B-F7CF-A37D45461E26}" dt="2022-10-05T11:40:45.152" v="58"/>
-        <pc:sldMkLst>
-          <pc:docMk/>
-          <pc:sldMk cId="2156238249" sldId="264"/>
-        </pc:sldMkLst>
-      </pc:sldChg>
-      <pc:sldChg chg="modSp">
-        <pc:chgData name="Nedas Janušauskas" userId="S::nedas.janusauskas@mif.stud.vu.lt::df4e6aec-44e0-4c2f-a1e8-74b8f1853aa9" providerId="AD" clId="Web-{021E4F76-5779-F97B-F7CF-A37D45461E26}" dt="2022-10-05T12:27:53.649" v="290" actId="20577"/>
-        <pc:sldMkLst>
-          <pc:docMk/>
-          <pc:sldMk cId="4135263232" sldId="265"/>
-        </pc:sldMkLst>
-        <pc:spChg chg="mod">
-          <ac:chgData name="Nedas Janušauskas" userId="S::nedas.janusauskas@mif.stud.vu.lt::df4e6aec-44e0-4c2f-a1e8-74b8f1853aa9" providerId="AD" clId="Web-{021E4F76-5779-F97B-F7CF-A37D45461E26}" dt="2022-10-05T12:27:53.649" v="290" actId="20577"/>
-          <ac:spMkLst>
-            <pc:docMk/>
-            <pc:sldMk cId="4135263232" sldId="265"/>
-            <ac:spMk id="2" creationId="{ECB50097-F312-A44E-6689-DFEB26137F80}"/>
-          </ac:spMkLst>
-        </pc:spChg>
-        <pc:spChg chg="mod">
-          <ac:chgData name="Nedas Janušauskas" userId="S::nedas.janusauskas@mif.stud.vu.lt::df4e6aec-44e0-4c2f-a1e8-74b8f1853aa9" providerId="AD" clId="Web-{021E4F76-5779-F97B-F7CF-A37D45461E26}" dt="2022-10-05T12:00:41.320" v="132" actId="20577"/>
-          <ac:spMkLst>
-            <pc:docMk/>
-            <pc:sldMk cId="4135263232" sldId="265"/>
-            <ac:spMk id="3" creationId="{997BCA44-6CDE-25F0-FEEF-547A2E9411BC}"/>
-          </ac:spMkLst>
-        </pc:spChg>
-      </pc:sldChg>
-      <pc:sldChg chg="addSp delSp modSp add ord replId">
-        <pc:chgData name="Nedas Janušauskas" userId="S::nedas.janusauskas@mif.stud.vu.lt::df4e6aec-44e0-4c2f-a1e8-74b8f1853aa9" providerId="AD" clId="Web-{021E4F76-5779-F97B-F7CF-A37D45461E26}" dt="2022-10-05T13:09:09.518" v="630" actId="20577"/>
-        <pc:sldMkLst>
-          <pc:docMk/>
-          <pc:sldMk cId="4202983703" sldId="268"/>
-        </pc:sldMkLst>
-        <pc:spChg chg="mod">
-          <ac:chgData name="Nedas Janušauskas" userId="S::nedas.janusauskas@mif.stud.vu.lt::df4e6aec-44e0-4c2f-a1e8-74b8f1853aa9" providerId="AD" clId="Web-{021E4F76-5779-F97B-F7CF-A37D45461E26}" dt="2022-10-05T12:27:06.649" v="282" actId="20577"/>
-          <ac:spMkLst>
-            <pc:docMk/>
-            <pc:sldMk cId="4202983703" sldId="268"/>
-            <ac:spMk id="2" creationId="{CE3C95E2-4278-C2B1-692A-3019A6B010AF}"/>
-          </ac:spMkLst>
-        </pc:spChg>
-        <pc:spChg chg="add del">
-          <ac:chgData name="Nedas Janušauskas" userId="S::nedas.janusauskas@mif.stud.vu.lt::df4e6aec-44e0-4c2f-a1e8-74b8f1853aa9" providerId="AD" clId="Web-{021E4F76-5779-F97B-F7CF-A37D45461E26}" dt="2022-10-05T12:13:58.860" v="158"/>
-          <ac:spMkLst>
-            <pc:docMk/>
-            <pc:sldMk cId="4202983703" sldId="268"/>
-            <ac:spMk id="3" creationId="{A23D2DC8-ED73-47CF-A694-55DCBECF3CAA}"/>
-          </ac:spMkLst>
-        </pc:spChg>
-        <pc:spChg chg="mod">
-          <ac:chgData name="Nedas Janušauskas" userId="S::nedas.janusauskas@mif.stud.vu.lt::df4e6aec-44e0-4c2f-a1e8-74b8f1853aa9" providerId="AD" clId="Web-{021E4F76-5779-F97B-F7CF-A37D45461E26}" dt="2022-10-05T12:52:24.008" v="488" actId="20577"/>
-          <ac:spMkLst>
-            <pc:docMk/>
-            <pc:sldMk cId="4202983703" sldId="268"/>
-            <ac:spMk id="5" creationId="{2E875058-E637-4BC6-F1FC-635E6CC2B7E0}"/>
-          </ac:spMkLst>
-        </pc:spChg>
-        <pc:spChg chg="add mod">
-          <ac:chgData name="Nedas Janušauskas" userId="S::nedas.janusauskas@mif.stud.vu.lt::df4e6aec-44e0-4c2f-a1e8-74b8f1853aa9" providerId="AD" clId="Web-{021E4F76-5779-F97B-F7CF-A37D45461E26}" dt="2022-10-05T13:09:09.518" v="630" actId="20577"/>
-          <ac:spMkLst>
-            <pc:docMk/>
-            <pc:sldMk cId="4202983703" sldId="268"/>
-            <ac:spMk id="8" creationId="{45932989-475E-ECCF-8A2E-6D089894008B}"/>
-          </ac:spMkLst>
-        </pc:spChg>
-        <pc:picChg chg="add del mod ord">
-          <ac:chgData name="Nedas Janušauskas" userId="S::nedas.janusauskas@mif.stud.vu.lt::df4e6aec-44e0-4c2f-a1e8-74b8f1853aa9" providerId="AD" clId="Web-{021E4F76-5779-F97B-F7CF-A37D45461E26}" dt="2022-10-05T12:13:58.860" v="158"/>
-          <ac:picMkLst>
-            <pc:docMk/>
-            <pc:sldMk cId="4202983703" sldId="268"/>
-            <ac:picMk id="6" creationId="{F264902A-A748-D1EE-B132-12F4EE6860CE}"/>
-          </ac:picMkLst>
-        </pc:picChg>
-        <pc:picChg chg="mod">
-          <ac:chgData name="Nedas Janušauskas" userId="S::nedas.janusauskas@mif.stud.vu.lt::df4e6aec-44e0-4c2f-a1e8-74b8f1853aa9" providerId="AD" clId="Web-{021E4F76-5779-F97B-F7CF-A37D45461E26}" dt="2022-10-05T12:49:48.241" v="477" actId="1076"/>
-          <ac:picMkLst>
-            <pc:docMk/>
-            <pc:sldMk cId="4202983703" sldId="268"/>
-            <ac:picMk id="10" creationId="{FDDD88CB-25A0-8722-C3FD-FAD151AE7253}"/>
-          </ac:picMkLst>
-        </pc:picChg>
-      </pc:sldChg>
-      <pc:sldChg chg="modSp new">
-        <pc:chgData name="Nedas Janušauskas" userId="S::nedas.janusauskas@mif.stud.vu.lt::df4e6aec-44e0-4c2f-a1e8-74b8f1853aa9" providerId="AD" clId="Web-{021E4F76-5779-F97B-F7CF-A37D45461E26}" dt="2022-10-05T13:31:54.750" v="973" actId="20577"/>
-        <pc:sldMkLst>
-          <pc:docMk/>
-          <pc:sldMk cId="579362725" sldId="269"/>
-        </pc:sldMkLst>
-        <pc:spChg chg="mod">
-          <ac:chgData name="Nedas Janušauskas" userId="S::nedas.janusauskas@mif.stud.vu.lt::df4e6aec-44e0-4c2f-a1e8-74b8f1853aa9" providerId="AD" clId="Web-{021E4F76-5779-F97B-F7CF-A37D45461E26}" dt="2022-10-05T13:26:18.716" v="646" actId="20577"/>
-          <ac:spMkLst>
-            <pc:docMk/>
-            <pc:sldMk cId="579362725" sldId="269"/>
-            <ac:spMk id="2" creationId="{1C58E7F8-C905-7FA9-FE96-C2132B304F9A}"/>
-          </ac:spMkLst>
-        </pc:spChg>
-        <pc:spChg chg="mod">
-          <ac:chgData name="Nedas Janušauskas" userId="S::nedas.janusauskas@mif.stud.vu.lt::df4e6aec-44e0-4c2f-a1e8-74b8f1853aa9" providerId="AD" clId="Web-{021E4F76-5779-F97B-F7CF-A37D45461E26}" dt="2022-10-05T13:31:54.750" v="973" actId="20577"/>
-          <ac:spMkLst>
-            <pc:docMk/>
-            <pc:sldMk cId="579362725" sldId="269"/>
-            <ac:spMk id="3" creationId="{A0A7FB69-98B5-1CF9-2A7B-18414CE1785F}"/>
-          </ac:spMkLst>
-        </pc:spChg>
-      </pc:sldChg>
-      <pc:sldChg chg="modSp new">
-        <pc:chgData name="Nedas Janušauskas" userId="S::nedas.janusauskas@mif.stud.vu.lt::df4e6aec-44e0-4c2f-a1e8-74b8f1853aa9" providerId="AD" clId="Web-{021E4F76-5779-F97B-F7CF-A37D45461E26}" dt="2022-10-05T13:08:47.315" v="627" actId="20577"/>
-        <pc:sldMkLst>
-          <pc:docMk/>
-          <pc:sldMk cId="4220006091" sldId="269"/>
-        </pc:sldMkLst>
-        <pc:spChg chg="mod">
-          <ac:chgData name="Nedas Janušauskas" userId="S::nedas.janusauskas@mif.stud.vu.lt::df4e6aec-44e0-4c2f-a1e8-74b8f1853aa9" providerId="AD" clId="Web-{021E4F76-5779-F97B-F7CF-A37D45461E26}" dt="2022-10-05T13:04:00.468" v="577" actId="20577"/>
-          <ac:spMkLst>
-            <pc:docMk/>
-            <pc:sldMk cId="4220006091" sldId="269"/>
-            <ac:spMk id="2" creationId="{13EFB30D-2136-446A-D39E-69DD134AF6EC}"/>
-          </ac:spMkLst>
-        </pc:spChg>
-        <pc:spChg chg="mod">
-          <ac:chgData name="Nedas Janušauskas" userId="S::nedas.janusauskas@mif.stud.vu.lt::df4e6aec-44e0-4c2f-a1e8-74b8f1853aa9" providerId="AD" clId="Web-{021E4F76-5779-F97B-F7CF-A37D45461E26}" dt="2022-10-05T13:08:47.315" v="627" actId="20577"/>
-          <ac:spMkLst>
-            <pc:docMk/>
-            <pc:sldMk cId="4220006091" sldId="269"/>
-            <ac:spMk id="3" creationId="{12851EA2-384F-197D-841A-51C691996866}"/>
-          </ac:spMkLst>
-        </pc:spChg>
-      </pc:sldChg>
-    </pc:docChg>
-  </pc:docChgLst>
-  <pc:docChgLst>
-    <pc:chgData name="Guest User" userId="S::urn:spo:anon#14e312955569a05650883a74254e610c30df8aa93570bbb0e0ef30045d2a5bff::" providerId="AD" clId="Web-{F9995DAB-3E8C-6989-8C35-18158D73FD52}"/>
-    <pc:docChg chg="modSld sldOrd">
-      <pc:chgData name="Guest User" userId="S::urn:spo:anon#14e312955569a05650883a74254e610c30df8aa93570bbb0e0ef30045d2a5bff::" providerId="AD" clId="Web-{F9995DAB-3E8C-6989-8C35-18158D73FD52}" dt="2022-10-05T13:31:48.819" v="290" actId="20577"/>
-      <pc:docMkLst>
-        <pc:docMk/>
-      </pc:docMkLst>
-      <pc:sldChg chg="modSp">
-        <pc:chgData name="Guest User" userId="S::urn:spo:anon#14e312955569a05650883a74254e610c30df8aa93570bbb0e0ef30045d2a5bff::" providerId="AD" clId="Web-{F9995DAB-3E8C-6989-8C35-18158D73FD52}" dt="2022-10-05T11:41:08.722" v="3" actId="20577"/>
-        <pc:sldMkLst>
-          <pc:docMk/>
-          <pc:sldMk cId="424736396" sldId="256"/>
-        </pc:sldMkLst>
-        <pc:spChg chg="mod">
-          <ac:chgData name="Guest User" userId="S::urn:spo:anon#14e312955569a05650883a74254e610c30df8aa93570bbb0e0ef30045d2a5bff::" providerId="AD" clId="Web-{F9995DAB-3E8C-6989-8C35-18158D73FD52}" dt="2022-10-05T11:41:08.722" v="3" actId="20577"/>
-          <ac:spMkLst>
-            <pc:docMk/>
-            <pc:sldMk cId="424736396" sldId="256"/>
-            <ac:spMk id="5" creationId="{2C768B79-FE22-B011-C5E6-3D5C706ADD7A}"/>
-          </ac:spMkLst>
-        </pc:spChg>
-      </pc:sldChg>
-      <pc:sldChg chg="modSp">
-        <pc:chgData name="Guest User" userId="S::urn:spo:anon#14e312955569a05650883a74254e610c30df8aa93570bbb0e0ef30045d2a5bff::" providerId="AD" clId="Web-{F9995DAB-3E8C-6989-8C35-18158D73FD52}" dt="2022-10-05T12:26:53.286" v="224" actId="20577"/>
-        <pc:sldMkLst>
-          <pc:docMk/>
-          <pc:sldMk cId="2715356841" sldId="257"/>
-        </pc:sldMkLst>
-        <pc:spChg chg="mod">
-          <ac:chgData name="Guest User" userId="S::urn:spo:anon#14e312955569a05650883a74254e610c30df8aa93570bbb0e0ef30045d2a5bff::" providerId="AD" clId="Web-{F9995DAB-3E8C-6989-8C35-18158D73FD52}" dt="2022-10-05T11:46:21.712" v="18" actId="20577"/>
-          <ac:spMkLst>
-            <pc:docMk/>
-            <pc:sldMk cId="2715356841" sldId="257"/>
-            <ac:spMk id="2" creationId="{9CB67E3E-6397-0720-116E-16EA7E4968A3}"/>
-          </ac:spMkLst>
-        </pc:spChg>
-        <pc:spChg chg="mod">
-          <ac:chgData name="Guest User" userId="S::urn:spo:anon#14e312955569a05650883a74254e610c30df8aa93570bbb0e0ef30045d2a5bff::" providerId="AD" clId="Web-{F9995DAB-3E8C-6989-8C35-18158D73FD52}" dt="2022-10-05T11:47:06.090" v="93" actId="20577"/>
-          <ac:spMkLst>
-            <pc:docMk/>
-            <pc:sldMk cId="2715356841" sldId="257"/>
-            <ac:spMk id="3" creationId="{D82A1AE9-F44A-A02F-EE44-C428586093D8}"/>
-          </ac:spMkLst>
-        </pc:spChg>
-        <pc:spChg chg="mod">
-          <ac:chgData name="Guest User" userId="S::urn:spo:anon#14e312955569a05650883a74254e610c30df8aa93570bbb0e0ef30045d2a5bff::" providerId="AD" clId="Web-{F9995DAB-3E8C-6989-8C35-18158D73FD52}" dt="2022-10-05T12:26:53.286" v="224" actId="20577"/>
-          <ac:spMkLst>
-            <pc:docMk/>
-            <pc:sldMk cId="2715356841" sldId="257"/>
-            <ac:spMk id="7" creationId="{A369199B-3BC0-76B1-D0A5-099436D75F38}"/>
-          </ac:spMkLst>
-        </pc:spChg>
-        <pc:spChg chg="mod">
-          <ac:chgData name="Guest User" userId="S::urn:spo:anon#14e312955569a05650883a74254e610c30df8aa93570bbb0e0ef30045d2a5bff::" providerId="AD" clId="Web-{F9995DAB-3E8C-6989-8C35-18158D73FD52}" dt="2022-10-05T12:24:40.683" v="218" actId="20577"/>
-          <ac:spMkLst>
-            <pc:docMk/>
-            <pc:sldMk cId="2715356841" sldId="257"/>
-            <ac:spMk id="8" creationId="{8CB1AAD4-7F68-52CD-6D3C-BF78BD8AFDAB}"/>
-          </ac:spMkLst>
-        </pc:spChg>
-      </pc:sldChg>
-      <pc:sldChg chg="addSp delSp modSp">
-        <pc:chgData name="Guest User" userId="S::urn:spo:anon#14e312955569a05650883a74254e610c30df8aa93570bbb0e0ef30045d2a5bff::" providerId="AD" clId="Web-{F9995DAB-3E8C-6989-8C35-18158D73FD52}" dt="2022-10-05T13:31:33.458" v="287"/>
-        <pc:sldMkLst>
-          <pc:docMk/>
-          <pc:sldMk cId="1436947609" sldId="260"/>
-        </pc:sldMkLst>
-        <pc:spChg chg="mod">
-          <ac:chgData name="Guest User" userId="S::urn:spo:anon#14e312955569a05650883a74254e610c30df8aa93570bbb0e0ef30045d2a5bff::" providerId="AD" clId="Web-{F9995DAB-3E8C-6989-8C35-18158D73FD52}" dt="2022-10-05T13:31:33.458" v="287"/>
-          <ac:spMkLst>
-            <pc:docMk/>
-            <pc:sldMk cId="1436947609" sldId="260"/>
-            <ac:spMk id="2" creationId="{CE3C95E2-4278-C2B1-692A-3019A6B010AF}"/>
-          </ac:spMkLst>
-        </pc:spChg>
-        <pc:spChg chg="mod">
-          <ac:chgData name="Guest User" userId="S::urn:spo:anon#14e312955569a05650883a74254e610c30df8aa93570bbb0e0ef30045d2a5bff::" providerId="AD" clId="Web-{F9995DAB-3E8C-6989-8C35-18158D73FD52}" dt="2022-10-05T13:31:33.458" v="287"/>
-          <ac:spMkLst>
-            <pc:docMk/>
-            <pc:sldMk cId="1436947609" sldId="260"/>
-            <ac:spMk id="4" creationId="{D3EC1666-C9C0-6EAC-F42E-876463C604D6}"/>
-          </ac:spMkLst>
-        </pc:spChg>
-        <pc:spChg chg="mod">
-          <ac:chgData name="Guest User" userId="S::urn:spo:anon#14e312955569a05650883a74254e610c30df8aa93570bbb0e0ef30045d2a5bff::" providerId="AD" clId="Web-{F9995DAB-3E8C-6989-8C35-18158D73FD52}" dt="2022-10-05T13:31:33.458" v="287"/>
-          <ac:spMkLst>
-            <pc:docMk/>
-            <pc:sldMk cId="1436947609" sldId="260"/>
-            <ac:spMk id="5" creationId="{2E875058-E637-4BC6-F1FC-635E6CC2B7E0}"/>
-          </ac:spMkLst>
-        </pc:spChg>
-        <pc:spChg chg="add del">
-          <ac:chgData name="Guest User" userId="S::urn:spo:anon#14e312955569a05650883a74254e610c30df8aa93570bbb0e0ef30045d2a5bff::" providerId="AD" clId="Web-{F9995DAB-3E8C-6989-8C35-18158D73FD52}" dt="2022-10-05T13:31:33.458" v="287"/>
-          <ac:spMkLst>
-            <pc:docMk/>
-            <pc:sldMk cId="1436947609" sldId="260"/>
-            <ac:spMk id="10" creationId="{B07E5620-40FB-1127-86E3-481EC1995CCA}"/>
-          </ac:spMkLst>
-        </pc:spChg>
-        <pc:spChg chg="add del">
-          <ac:chgData name="Guest User" userId="S::urn:spo:anon#14e312955569a05650883a74254e610c30df8aa93570bbb0e0ef30045d2a5bff::" providerId="AD" clId="Web-{F9995DAB-3E8C-6989-8C35-18158D73FD52}" dt="2022-10-05T13:31:33.458" v="287"/>
-          <ac:spMkLst>
-            <pc:docMk/>
-            <pc:sldMk cId="1436947609" sldId="260"/>
-            <ac:spMk id="16" creationId="{2B566528-1B12-4246-9431-5C2D7D081168}"/>
-          </ac:spMkLst>
-        </pc:spChg>
-        <pc:spChg chg="add del">
-          <ac:chgData name="Guest User" userId="S::urn:spo:anon#14e312955569a05650883a74254e610c30df8aa93570bbb0e0ef30045d2a5bff::" providerId="AD" clId="Web-{F9995DAB-3E8C-6989-8C35-18158D73FD52}" dt="2022-10-05T13:31:33.458" v="287"/>
-          <ac:spMkLst>
-            <pc:docMk/>
-            <pc:sldMk cId="1436947609" sldId="260"/>
-            <ac:spMk id="18" creationId="{2E80C965-DB6D-4F81-9E9E-B027384D0BD6}"/>
-          </ac:spMkLst>
-        </pc:spChg>
-        <pc:spChg chg="add del">
-          <ac:chgData name="Guest User" userId="S::urn:spo:anon#14e312955569a05650883a74254e610c30df8aa93570bbb0e0ef30045d2a5bff::" providerId="AD" clId="Web-{F9995DAB-3E8C-6989-8C35-18158D73FD52}" dt="2022-10-05T13:31:33.458" v="287"/>
-          <ac:spMkLst>
-            <pc:docMk/>
-            <pc:sldMk cId="1436947609" sldId="260"/>
-            <ac:spMk id="20" creationId="{A580F890-B085-4E95-96AA-55AEBEC5CE6E}"/>
-          </ac:spMkLst>
-        </pc:spChg>
-        <pc:spChg chg="add del">
-          <ac:chgData name="Guest User" userId="S::urn:spo:anon#14e312955569a05650883a74254e610c30df8aa93570bbb0e0ef30045d2a5bff::" providerId="AD" clId="Web-{F9995DAB-3E8C-6989-8C35-18158D73FD52}" dt="2022-10-05T13:31:33.458" v="287"/>
-          <ac:spMkLst>
-            <pc:docMk/>
-            <pc:sldMk cId="1436947609" sldId="260"/>
-            <ac:spMk id="22" creationId="{D3F51FEB-38FB-4F6C-9F7B-2F2AFAB65463}"/>
-          </ac:spMkLst>
-        </pc:spChg>
-        <pc:spChg chg="add del">
-          <ac:chgData name="Guest User" userId="S::urn:spo:anon#14e312955569a05650883a74254e610c30df8aa93570bbb0e0ef30045d2a5bff::" providerId="AD" clId="Web-{F9995DAB-3E8C-6989-8C35-18158D73FD52}" dt="2022-10-05T13:31:33.458" v="287"/>
-          <ac:spMkLst>
-            <pc:docMk/>
-            <pc:sldMk cId="1436947609" sldId="260"/>
-            <ac:spMk id="24" creationId="{1E547BA6-BAE0-43BB-A7CA-60F69CE252F0}"/>
-          </ac:spMkLst>
-        </pc:spChg>
-        <pc:graphicFrameChg chg="add del">
-          <ac:chgData name="Guest User" userId="S::urn:spo:anon#14e312955569a05650883a74254e610c30df8aa93570bbb0e0ef30045d2a5bff::" providerId="AD" clId="Web-{F9995DAB-3E8C-6989-8C35-18158D73FD52}" dt="2022-10-05T13:31:33.458" v="287"/>
-          <ac:graphicFrameMkLst>
-            <pc:docMk/>
-            <pc:sldMk cId="1436947609" sldId="260"/>
-            <ac:graphicFrameMk id="12" creationId="{9FE5E965-004C-41F1-2765-CEEC629BC0E4}"/>
-          </ac:graphicFrameMkLst>
-        </pc:graphicFrameChg>
-      </pc:sldChg>
-      <pc:sldChg chg="modSp">
-        <pc:chgData name="Guest User" userId="S::urn:spo:anon#14e312955569a05650883a74254e610c30df8aa93570bbb0e0ef30045d2a5bff::" providerId="AD" clId="Web-{F9995DAB-3E8C-6989-8C35-18158D73FD52}" dt="2022-10-05T13:29:13.496" v="281" actId="20577"/>
-        <pc:sldMkLst>
-          <pc:docMk/>
-          <pc:sldMk cId="1703583134" sldId="261"/>
-        </pc:sldMkLst>
-        <pc:spChg chg="mod">
-          <ac:chgData name="Guest User" userId="S::urn:spo:anon#14e312955569a05650883a74254e610c30df8aa93570bbb0e0ef30045d2a5bff::" providerId="AD" clId="Web-{F9995DAB-3E8C-6989-8C35-18158D73FD52}" dt="2022-10-05T13:29:13.496" v="281" actId="20577"/>
-          <ac:spMkLst>
-            <pc:docMk/>
-            <pc:sldMk cId="1703583134" sldId="261"/>
-            <ac:spMk id="5" creationId="{F9F3129D-46BB-7520-3F16-D51F9AAB4EE8}"/>
-          </ac:spMkLst>
-        </pc:spChg>
-      </pc:sldChg>
-      <pc:sldChg chg="modSp ord">
-        <pc:chgData name="Guest User" userId="S::urn:spo:anon#14e312955569a05650883a74254e610c30df8aa93570bbb0e0ef30045d2a5bff::" providerId="AD" clId="Web-{F9995DAB-3E8C-6989-8C35-18158D73FD52}" dt="2022-10-05T13:29:05.636" v="277" actId="20577"/>
-        <pc:sldMkLst>
-          <pc:docMk/>
-          <pc:sldMk cId="3689003944" sldId="262"/>
-        </pc:sldMkLst>
-        <pc:spChg chg="mod">
-          <ac:chgData name="Guest User" userId="S::urn:spo:anon#14e312955569a05650883a74254e610c30df8aa93570bbb0e0ef30045d2a5bff::" providerId="AD" clId="Web-{F9995DAB-3E8C-6989-8C35-18158D73FD52}" dt="2022-10-05T13:22:55.954" v="275" actId="20577"/>
-          <ac:spMkLst>
-            <pc:docMk/>
-            <pc:sldMk cId="3689003944" sldId="262"/>
-            <ac:spMk id="3" creationId="{553420E8-0547-8878-B488-ED540C37B7FB}"/>
-          </ac:spMkLst>
-        </pc:spChg>
-        <pc:spChg chg="mod">
-          <ac:chgData name="Guest User" userId="S::urn:spo:anon#14e312955569a05650883a74254e610c30df8aa93570bbb0e0ef30045d2a5bff::" providerId="AD" clId="Web-{F9995DAB-3E8C-6989-8C35-18158D73FD52}" dt="2022-10-05T13:29:05.636" v="277" actId="20577"/>
-          <ac:spMkLst>
-            <pc:docMk/>
-            <pc:sldMk cId="3689003944" sldId="262"/>
-            <ac:spMk id="5" creationId="{7248B754-896D-495E-2FD0-C4A8BEA713EC}"/>
-          </ac:spMkLst>
-        </pc:spChg>
-      </pc:sldChg>
-      <pc:sldChg chg="modSp">
-        <pc:chgData name="Guest User" userId="S::urn:spo:anon#14e312955569a05650883a74254e610c30df8aa93570bbb0e0ef30045d2a5bff::" providerId="AD" clId="Web-{F9995DAB-3E8C-6989-8C35-18158D73FD52}" dt="2022-10-05T13:29:16.168" v="283" actId="20577"/>
-        <pc:sldMkLst>
-          <pc:docMk/>
-          <pc:sldMk cId="2474636435" sldId="263"/>
-        </pc:sldMkLst>
-        <pc:spChg chg="mod">
-          <ac:chgData name="Guest User" userId="S::urn:spo:anon#14e312955569a05650883a74254e610c30df8aa93570bbb0e0ef30045d2a5bff::" providerId="AD" clId="Web-{F9995DAB-3E8C-6989-8C35-18158D73FD52}" dt="2022-10-05T13:29:16.168" v="283" actId="20577"/>
-          <ac:spMkLst>
-            <pc:docMk/>
-            <pc:sldMk cId="2474636435" sldId="263"/>
-            <ac:spMk id="5" creationId="{DE7C9CC4-B7BA-9C00-2E6B-737C6D93F438}"/>
-          </ac:spMkLst>
-        </pc:spChg>
-      </pc:sldChg>
-      <pc:sldChg chg="modSp">
-        <pc:chgData name="Guest User" userId="S::urn:spo:anon#14e312955569a05650883a74254e610c30df8aa93570bbb0e0ef30045d2a5bff::" providerId="AD" clId="Web-{F9995DAB-3E8C-6989-8C35-18158D73FD52}" dt="2022-10-05T13:31:48.819" v="290" actId="20577"/>
-        <pc:sldMkLst>
-          <pc:docMk/>
-          <pc:sldMk cId="1497166392" sldId="264"/>
-        </pc:sldMkLst>
-        <pc:spChg chg="mod">
-          <ac:chgData name="Guest User" userId="S::urn:spo:anon#14e312955569a05650883a74254e610c30df8aa93570bbb0e0ef30045d2a5bff::" providerId="AD" clId="Web-{F9995DAB-3E8C-6989-8C35-18158D73FD52}" dt="2022-10-05T13:31:48.819" v="290" actId="20577"/>
-          <ac:spMkLst>
-            <pc:docMk/>
-            <pc:sldMk cId="1497166392" sldId="264"/>
-            <ac:spMk id="5" creationId="{EC3671FE-02B3-BB63-B9E8-4D3E0B7DC22F}"/>
-          </ac:spMkLst>
-        </pc:spChg>
-      </pc:sldChg>
-      <pc:sldChg chg="addSp delSp modSp">
-        <pc:chgData name="Guest User" userId="S::urn:spo:anon#14e312955569a05650883a74254e610c30df8aa93570bbb0e0ef30045d2a5bff::" providerId="AD" clId="Web-{F9995DAB-3E8C-6989-8C35-18158D73FD52}" dt="2022-10-05T12:47:55.904" v="226" actId="20577"/>
-        <pc:sldMkLst>
-          <pc:docMk/>
-          <pc:sldMk cId="4202983703" sldId="268"/>
-        </pc:sldMkLst>
-        <pc:spChg chg="del">
-          <ac:chgData name="Guest User" userId="S::urn:spo:anon#14e312955569a05650883a74254e610c30df8aa93570bbb0e0ef30045d2a5bff::" providerId="AD" clId="Web-{F9995DAB-3E8C-6989-8C35-18158D73FD52}" dt="2022-10-05T12:14:50.642" v="94"/>
-          <ac:spMkLst>
-            <pc:docMk/>
-            <pc:sldMk cId="4202983703" sldId="268"/>
-            <ac:spMk id="3" creationId="{A23D2DC8-ED73-47CF-A694-55DCBECF3CAA}"/>
-          </ac:spMkLst>
-        </pc:spChg>
-        <pc:spChg chg="mod">
-          <ac:chgData name="Guest User" userId="S::urn:spo:anon#14e312955569a05650883a74254e610c30df8aa93570bbb0e0ef30045d2a5bff::" providerId="AD" clId="Web-{F9995DAB-3E8C-6989-8C35-18158D73FD52}" dt="2022-10-05T12:47:55.904" v="226" actId="20577"/>
-          <ac:spMkLst>
-            <pc:docMk/>
-            <pc:sldMk cId="4202983703" sldId="268"/>
-            <ac:spMk id="5" creationId="{2E875058-E637-4BC6-F1FC-635E6CC2B7E0}"/>
-          </ac:spMkLst>
-        </pc:spChg>
-        <pc:spChg chg="add del mod">
-          <ac:chgData name="Guest User" userId="S::urn:spo:anon#14e312955569a05650883a74254e610c30df8aa93570bbb0e0ef30045d2a5bff::" providerId="AD" clId="Web-{F9995DAB-3E8C-6989-8C35-18158D73FD52}" dt="2022-10-05T12:15:57.694" v="96"/>
-          <ac:spMkLst>
-            <pc:docMk/>
-            <pc:sldMk cId="4202983703" sldId="268"/>
-            <ac:spMk id="9" creationId="{8215B1DC-D24D-0C25-69F6-707ECF7C143B}"/>
-          </ac:spMkLst>
-        </pc:spChg>
-        <pc:picChg chg="add del mod ord">
-          <ac:chgData name="Guest User" userId="S::urn:spo:anon#14e312955569a05650883a74254e610c30df8aa93570bbb0e0ef30045d2a5bff::" providerId="AD" clId="Web-{F9995DAB-3E8C-6989-8C35-18158D73FD52}" dt="2022-10-05T12:15:18.082" v="95"/>
-          <ac:picMkLst>
-            <pc:docMk/>
-            <pc:sldMk cId="4202983703" sldId="268"/>
-            <ac:picMk id="7" creationId="{85054803-98BD-6040-F753-B1733BAE3D3C}"/>
-          </ac:picMkLst>
-        </pc:picChg>
-        <pc:picChg chg="add mod ord">
-          <ac:chgData name="Guest User" userId="S::urn:spo:anon#14e312955569a05650883a74254e610c30df8aa93570bbb0e0ef30045d2a5bff::" providerId="AD" clId="Web-{F9995DAB-3E8C-6989-8C35-18158D73FD52}" dt="2022-10-05T12:15:57.694" v="96"/>
-          <ac:picMkLst>
-            <pc:docMk/>
-            <pc:sldMk cId="4202983703" sldId="268"/>
-            <ac:picMk id="10" creationId="{FDDD88CB-25A0-8722-C3FD-FAD151AE7253}"/>
-          </ac:picMkLst>
-        </pc:picChg>
-      </pc:sldChg>
-    </pc:docChg>
-  </pc:docChgLst>
-  <pc:docChgLst>
-    <pc:chgData name="Nedas Janušauskas" userId="S::nedas.janusauskas@mif.stud.vu.lt::df4e6aec-44e0-4c2f-a1e8-74b8f1853aa9" providerId="AD" clId="Web-{98BC222F-E99E-C388-0FDD-9A852B3A829C}"/>
-    <pc:docChg chg="modSld">
-      <pc:chgData name="Nedas Janušauskas" userId="S::nedas.janusauskas@mif.stud.vu.lt::df4e6aec-44e0-4c2f-a1e8-74b8f1853aa9" providerId="AD" clId="Web-{98BC222F-E99E-C388-0FDD-9A852B3A829C}" dt="2022-10-05T11:27:22.544" v="5" actId="20577"/>
-      <pc:docMkLst>
-        <pc:docMk/>
-      </pc:docMkLst>
-      <pc:sldChg chg="modSp">
-        <pc:chgData name="Nedas Janušauskas" userId="S::nedas.janusauskas@mif.stud.vu.lt::df4e6aec-44e0-4c2f-a1e8-74b8f1853aa9" providerId="AD" clId="Web-{98BC222F-E99E-C388-0FDD-9A852B3A829C}" dt="2022-10-05T11:27:22.544" v="5" actId="20577"/>
-        <pc:sldMkLst>
-          <pc:docMk/>
-          <pc:sldMk cId="424736396" sldId="256"/>
-        </pc:sldMkLst>
-        <pc:spChg chg="mod">
-          <ac:chgData name="Nedas Janušauskas" userId="S::nedas.janusauskas@mif.stud.vu.lt::df4e6aec-44e0-4c2f-a1e8-74b8f1853aa9" providerId="AD" clId="Web-{98BC222F-E99E-C388-0FDD-9A852B3A829C}" dt="2022-10-05T11:27:22.544" v="5" actId="20577"/>
-          <ac:spMkLst>
-            <pc:docMk/>
-            <pc:sldMk cId="424736396" sldId="256"/>
-            <ac:spMk id="2" creationId="{00000000-0000-0000-0000-000000000000}"/>
-          </ac:spMkLst>
-        </pc:spChg>
-      </pc:sldChg>
     </pc:docChg>
   </pc:docChgLst>
 </pc:chgInfo>
@@ -1898,7 +2003,7 @@
           <a:p>
             <a:fld id="{6F4E3E68-314E-4E62-AA8A-BE3F20F81523}" type="datetimeFigureOut">
               <a:rPr lang="en-US" smtClean="0"/>
-              <a:t>10/17/2022</a:t>
+              <a:t>10/19/2022</a:t>
             </a:fld>
             <a:endParaRPr lang="en-US"/>
           </a:p>
@@ -2072,7 +2177,7 @@
           <a:p>
             <a:fld id="{6F4E3E68-314E-4E62-AA8A-BE3F20F81523}" type="datetimeFigureOut">
               <a:rPr lang="en-US" smtClean="0"/>
-              <a:t>10/17/2022</a:t>
+              <a:t>10/19/2022</a:t>
             </a:fld>
             <a:endParaRPr lang="en-US"/>
           </a:p>
@@ -2256,7 +2361,7 @@
           <a:p>
             <a:fld id="{6F4E3E68-314E-4E62-AA8A-BE3F20F81523}" type="datetimeFigureOut">
               <a:rPr lang="en-US" smtClean="0"/>
-              <a:t>10/17/2022</a:t>
+              <a:t>10/19/2022</a:t>
             </a:fld>
             <a:endParaRPr lang="en-US"/>
           </a:p>
@@ -2430,7 +2535,7 @@
           <a:p>
             <a:fld id="{6F4E3E68-314E-4E62-AA8A-BE3F20F81523}" type="datetimeFigureOut">
               <a:rPr lang="en-US" smtClean="0"/>
-              <a:t>10/17/2022</a:t>
+              <a:t>10/19/2022</a:t>
             </a:fld>
             <a:endParaRPr lang="en-US"/>
           </a:p>
@@ -2680,7 +2785,7 @@
           <a:p>
             <a:fld id="{6F4E3E68-314E-4E62-AA8A-BE3F20F81523}" type="datetimeFigureOut">
               <a:rPr lang="en-US" smtClean="0"/>
-              <a:t>10/17/2022</a:t>
+              <a:t>10/19/2022</a:t>
             </a:fld>
             <a:endParaRPr lang="en-US"/>
           </a:p>
@@ -2916,7 +3021,7 @@
           <a:p>
             <a:fld id="{6F4E3E68-314E-4E62-AA8A-BE3F20F81523}" type="datetimeFigureOut">
               <a:rPr lang="en-US" smtClean="0"/>
-              <a:t>10/17/2022</a:t>
+              <a:t>10/19/2022</a:t>
             </a:fld>
             <a:endParaRPr lang="en-US"/>
           </a:p>
@@ -3287,7 +3392,7 @@
           <a:p>
             <a:fld id="{6F4E3E68-314E-4E62-AA8A-BE3F20F81523}" type="datetimeFigureOut">
               <a:rPr lang="en-US" smtClean="0"/>
-              <a:t>10/17/2022</a:t>
+              <a:t>10/19/2022</a:t>
             </a:fld>
             <a:endParaRPr lang="en-US"/>
           </a:p>
@@ -3409,7 +3514,7 @@
           <a:p>
             <a:fld id="{6F4E3E68-314E-4E62-AA8A-BE3F20F81523}" type="datetimeFigureOut">
               <a:rPr lang="en-US" smtClean="0"/>
-              <a:t>10/17/2022</a:t>
+              <a:t>10/19/2022</a:t>
             </a:fld>
             <a:endParaRPr lang="en-US"/>
           </a:p>
@@ -3508,7 +3613,7 @@
           <a:p>
             <a:fld id="{6F4E3E68-314E-4E62-AA8A-BE3F20F81523}" type="datetimeFigureOut">
               <a:rPr lang="en-US" smtClean="0"/>
-              <a:t>10/17/2022</a:t>
+              <a:t>10/19/2022</a:t>
             </a:fld>
             <a:endParaRPr lang="en-US"/>
           </a:p>
@@ -3789,7 +3894,7 @@
           <a:p>
             <a:fld id="{6F4E3E68-314E-4E62-AA8A-BE3F20F81523}" type="datetimeFigureOut">
               <a:rPr lang="en-US" smtClean="0"/>
-              <a:t>10/17/2022</a:t>
+              <a:t>10/19/2022</a:t>
             </a:fld>
             <a:endParaRPr lang="en-US"/>
           </a:p>
@@ -4046,7 +4151,7 @@
           <a:p>
             <a:fld id="{6F4E3E68-314E-4E62-AA8A-BE3F20F81523}" type="datetimeFigureOut">
               <a:rPr lang="en-US" smtClean="0"/>
-              <a:t>10/17/2022</a:t>
+              <a:t>10/19/2022</a:t>
             </a:fld>
             <a:endParaRPr lang="en-US"/>
           </a:p>
@@ -4263,7 +4368,7 @@
           <a:p>
             <a:fld id="{6F4E3E68-314E-4E62-AA8A-BE3F20F81523}" type="datetimeFigureOut">
               <a:rPr lang="en-US" smtClean="0"/>
-              <a:t>10/17/2022</a:t>
+              <a:t>10/19/2022</a:t>
             </a:fld>
             <a:endParaRPr lang="en-US"/>
           </a:p>
@@ -4793,18 +4898,11 @@
           </a:p>
           <a:p>
             <a:r>
-              <a:rPr lang="en-US" b="1" dirty="0">
+              <a:rPr lang="en-US" b="1">
                 <a:ea typeface="+mn-lt"/>
                 <a:cs typeface="+mn-lt"/>
               </a:rPr>
-              <a:t>Aistė </a:t>
-            </a:r>
-            <a:r>
-              <a:rPr lang="en-US" b="1" dirty="0" err="1">
-                <a:ea typeface="+mn-lt"/>
-                <a:cs typeface="+mn-lt"/>
-              </a:rPr>
-              <a:t>Grigalūnaitė</a:t>
+              <a:t>Aistė Grigaliūnaitė</a:t>
             </a:r>
             <a:endParaRPr lang="en-US" b="1" dirty="0">
               <a:ea typeface="+mn-lt"/>
@@ -4967,6 +5065,152 @@
           <p:cNvPr id="2" name="Title 1">
             <a:extLst>
               <a:ext uri="{FF2B5EF4-FFF2-40B4-BE49-F238E27FC236}">
+                <a16:creationId xmlns:a16="http://schemas.microsoft.com/office/drawing/2014/main" id="{DD21C9F6-8B7C-AAE3-A626-9B0167E5B7F0}"/>
+              </a:ext>
+            </a:extLst>
+          </p:cNvPr>
+          <p:cNvSpPr>
+            <a:spLocks noGrp="1"/>
+          </p:cNvSpPr>
+          <p:nvPr>
+            <p:ph type="title"/>
+          </p:nvPr>
+        </p:nvSpPr>
+        <p:spPr/>
+        <p:txBody>
+          <a:bodyPr/>
+          <a:lstStyle/>
+          <a:p>
+            <a:pPr algn="ctr"/>
+            <a:r>
+              <a:rPr lang="en-US" b="1" dirty="0"/>
+              <a:t>Future Goals</a:t>
+            </a:r>
+            <a:endParaRPr lang="lt-LT" b="1" dirty="0"/>
+          </a:p>
+        </p:txBody>
+      </p:sp>
+      <p:sp>
+        <p:nvSpPr>
+          <p:cNvPr id="3" name="Content Placeholder 2">
+            <a:extLst>
+              <a:ext uri="{FF2B5EF4-FFF2-40B4-BE49-F238E27FC236}">
+                <a16:creationId xmlns:a16="http://schemas.microsoft.com/office/drawing/2014/main" id="{5F7EDB91-CDD1-040F-6481-77E97AC606FC}"/>
+              </a:ext>
+            </a:extLst>
+          </p:cNvPr>
+          <p:cNvSpPr>
+            <a:spLocks noGrp="1"/>
+          </p:cNvSpPr>
+          <p:nvPr>
+            <p:ph idx="1"/>
+          </p:nvPr>
+        </p:nvSpPr>
+        <p:spPr/>
+        <p:txBody>
+          <a:bodyPr/>
+          <a:lstStyle/>
+          <a:p>
+            <a:r>
+              <a:rPr lang="en-US" dirty="0"/>
+              <a:t>Moving robot</a:t>
+            </a:r>
+            <a:endParaRPr lang="lt-LT" dirty="0"/>
+          </a:p>
+        </p:txBody>
+      </p:sp>
+      <p:sp>
+        <p:nvSpPr>
+          <p:cNvPr id="4" name="Footer Placeholder 3">
+            <a:extLst>
+              <a:ext uri="{FF2B5EF4-FFF2-40B4-BE49-F238E27FC236}">
+                <a16:creationId xmlns:a16="http://schemas.microsoft.com/office/drawing/2014/main" id="{6997C67B-E37F-63FD-0E90-5330A16F35DF}"/>
+              </a:ext>
+            </a:extLst>
+          </p:cNvPr>
+          <p:cNvSpPr>
+            <a:spLocks noGrp="1"/>
+          </p:cNvSpPr>
+          <p:nvPr>
+            <p:ph type="ftr" sz="quarter" idx="11"/>
+          </p:nvPr>
+        </p:nvSpPr>
+        <p:spPr/>
+        <p:txBody>
+          <a:bodyPr/>
+          <a:lstStyle/>
+          <a:p>
+            <a:r>
+              <a:rPr lang="en-US"/>
+              <a:t>2022-10-06    Rover, VU, MIF</a:t>
+            </a:r>
+          </a:p>
+        </p:txBody>
+      </p:sp>
+      <p:sp>
+        <p:nvSpPr>
+          <p:cNvPr id="5" name="Slide Number Placeholder 4">
+            <a:extLst>
+              <a:ext uri="{FF2B5EF4-FFF2-40B4-BE49-F238E27FC236}">
+                <a16:creationId xmlns:a16="http://schemas.microsoft.com/office/drawing/2014/main" id="{ADD97CB1-8AC6-BBBC-0D73-C72D4EDD0684}"/>
+              </a:ext>
+            </a:extLst>
+          </p:cNvPr>
+          <p:cNvSpPr>
+            <a:spLocks noGrp="1"/>
+          </p:cNvSpPr>
+          <p:nvPr>
+            <p:ph type="sldNum" sz="quarter" idx="12"/>
+          </p:nvPr>
+        </p:nvSpPr>
+        <p:spPr/>
+        <p:txBody>
+          <a:bodyPr/>
+          <a:lstStyle/>
+          <a:p>
+            <a:fld id="{0755F65A-0D26-4EA2-8D80-8F2A7746944E}" type="slidenum">
+              <a:rPr lang="en-US" smtClean="0"/>
+              <a:t>10</a:t>
+            </a:fld>
+            <a:endParaRPr lang="en-US"/>
+          </a:p>
+        </p:txBody>
+      </p:sp>
+    </p:spTree>
+    <p:extLst>
+      <p:ext uri="{BB962C8B-B14F-4D97-AF65-F5344CB8AC3E}">
+        <p14:creationId xmlns:p14="http://schemas.microsoft.com/office/powerpoint/2010/main" val="257552317"/>
+      </p:ext>
+    </p:extLst>
+  </p:cSld>
+  <p:clrMapOvr>
+    <a:masterClrMapping/>
+  </p:clrMapOvr>
+</p:sld>
+</file>
+
+<file path=ppt/slides/slide11.xml><?xml version="1.0" encoding="utf-8"?>
+<p:sld xmlns:a="http://schemas.openxmlformats.org/drawingml/2006/main" xmlns:r="http://schemas.openxmlformats.org/officeDocument/2006/relationships" xmlns:p="http://schemas.openxmlformats.org/presentationml/2006/main">
+  <p:cSld>
+    <p:spTree>
+      <p:nvGrpSpPr>
+        <p:cNvPr id="1" name=""/>
+        <p:cNvGrpSpPr/>
+        <p:nvPr/>
+      </p:nvGrpSpPr>
+      <p:grpSpPr>
+        <a:xfrm>
+          <a:off x="0" y="0"/>
+          <a:ext cx="0" cy="0"/>
+          <a:chOff x="0" y="0"/>
+          <a:chExt cx="0" cy="0"/>
+        </a:xfrm>
+      </p:grpSpPr>
+      <p:sp>
+        <p:nvSpPr>
+          <p:cNvPr id="2" name="Title 1">
+            <a:extLst>
+              <a:ext uri="{FF2B5EF4-FFF2-40B4-BE49-F238E27FC236}">
                 <a16:creationId xmlns:a16="http://schemas.microsoft.com/office/drawing/2014/main" id="{BF18973F-FF06-DB10-8789-8E4C28D7A658}"/>
               </a:ext>
             </a:extLst>
@@ -5069,7 +5313,7 @@
 </p:sld>
 </file>
 
-<file path=ppt/slides/slide11.xml><?xml version="1.0" encoding="utf-8"?>
+<file path=ppt/slides/slide12.xml><?xml version="1.0" encoding="utf-8"?>
 <p:sld xmlns:a="http://schemas.openxmlformats.org/drawingml/2006/main" xmlns:r="http://schemas.openxmlformats.org/officeDocument/2006/relationships" xmlns:p="http://schemas.openxmlformats.org/presentationml/2006/main">
   <p:cSld>
     <p:spTree>
@@ -6758,19 +7002,6 @@
               <a:t>Testing hardware</a:t>
             </a:r>
           </a:p>
-          <a:p>
-            <a:r>
-              <a:rPr lang="en-US" dirty="0">
-                <a:cs typeface="Calibri"/>
-              </a:rPr>
-              <a:t>Testing software</a:t>
-            </a:r>
-          </a:p>
-          <a:p>
-            <a:endParaRPr lang="en-US" dirty="0">
-              <a:cs typeface="Calibri"/>
-            </a:endParaRPr>
-          </a:p>
         </p:txBody>
       </p:sp>
       <p:sp>
@@ -6926,7 +7157,7 @@
               <a:rPr lang="en-US" dirty="0">
                 <a:cs typeface="Calibri"/>
               </a:rPr>
-              <a:t>Robot body printing</a:t>
+              <a:t>Robot body modeling/printing</a:t>
             </a:r>
           </a:p>
         </p:txBody>
